--- a/Documents/Movie Dubbing Studio Manager.pptx
+++ b/Documents/Movie Dubbing Studio Manager.pptx
@@ -5,21 +5,22 @@
     <p:sldMasterId id="2147483677" r:id="rId1"/>
   </p:sldMasterIdLst>
   <p:notesMasterIdLst>
-    <p:notesMasterId r:id="rId14"/>
+    <p:notesMasterId r:id="rId15"/>
   </p:notesMasterIdLst>
   <p:sldIdLst>
     <p:sldId id="256" r:id="rId2"/>
     <p:sldId id="257" r:id="rId3"/>
     <p:sldId id="258" r:id="rId4"/>
-    <p:sldId id="259" r:id="rId5"/>
-    <p:sldId id="260" r:id="rId6"/>
-    <p:sldId id="261" r:id="rId7"/>
-    <p:sldId id="262" r:id="rId8"/>
-    <p:sldId id="263" r:id="rId9"/>
-    <p:sldId id="264" r:id="rId10"/>
-    <p:sldId id="265" r:id="rId11"/>
-    <p:sldId id="266" r:id="rId12"/>
-    <p:sldId id="267" r:id="rId13"/>
+    <p:sldId id="268" r:id="rId5"/>
+    <p:sldId id="269" r:id="rId6"/>
+    <p:sldId id="270" r:id="rId7"/>
+    <p:sldId id="271" r:id="rId8"/>
+    <p:sldId id="272" r:id="rId9"/>
+    <p:sldId id="263" r:id="rId10"/>
+    <p:sldId id="264" r:id="rId11"/>
+    <p:sldId id="265" r:id="rId12"/>
+    <p:sldId id="266" r:id="rId13"/>
+    <p:sldId id="267" r:id="rId14"/>
   </p:sldIdLst>
   <p:sldSz cx="12192000" cy="6858000"/>
   <p:notesSz cx="6858000" cy="9144000"/>
@@ -130,10 +131,11 @@
           <p14:sldIdLst>
             <p14:sldId id="257"/>
             <p14:sldId id="258"/>
-            <p14:sldId id="259"/>
-            <p14:sldId id="260"/>
-            <p14:sldId id="261"/>
-            <p14:sldId id="262"/>
+            <p14:sldId id="268"/>
+            <p14:sldId id="269"/>
+            <p14:sldId id="270"/>
+            <p14:sldId id="271"/>
+            <p14:sldId id="272"/>
             <p14:sldId id="263"/>
             <p14:sldId id="264"/>
             <p14:sldId id="265"/>
@@ -146,6 +148,12 @@
           </p14:sldIdLst>
         </p14:section>
       </p14:sectionLst>
+    </p:ext>
+    <p:ext uri="{EFAFB233-063F-42B5-8137-9DF3F51BA10A}">
+      <p15:sldGuideLst xmlns:p15="http://schemas.microsoft.com/office/powerpoint/2012/main"/>
+    </p:ext>
+    <p:ext uri="{2D200454-40CA-4A62-9FC3-DE9A4176ACB9}">
+      <p15:notesGuideLst xmlns:p15="http://schemas.microsoft.com/office/powerpoint/2012/main"/>
     </p:ext>
   </p:extLst>
 </p:presentation>
@@ -245,7 +253,7 @@
           <a:p>
             <a:fld id="{B2500173-4806-48F4-8121-5F34D7C28B2C}" type="datetimeFigureOut">
               <a:rPr lang="en-US" smtClean="0"/>
-              <a:t>2/5/2020</a:t>
+              <a:t>10/15/2020</a:t>
             </a:fld>
             <a:endParaRPr lang="en-US"/>
           </a:p>
@@ -596,6 +604,847 @@
 </p:notes>
 </file>
 
+<file path=ppt/notesSlides/notesSlide2.xml><?xml version="1.0" encoding="utf-8"?>
+<p:notes xmlns:a="http://schemas.openxmlformats.org/drawingml/2006/main" xmlns:r="http://schemas.openxmlformats.org/officeDocument/2006/relationships" xmlns:p="http://schemas.openxmlformats.org/presentationml/2006/main">
+  <p:cSld>
+    <p:spTree>
+      <p:nvGrpSpPr>
+        <p:cNvPr id="1" name=""/>
+        <p:cNvGrpSpPr/>
+        <p:nvPr/>
+      </p:nvGrpSpPr>
+      <p:grpSpPr>
+        <a:xfrm>
+          <a:off x="0" y="0"/>
+          <a:ext cx="0" cy="0"/>
+          <a:chOff x="0" y="0"/>
+          <a:chExt cx="0" cy="0"/>
+        </a:xfrm>
+      </p:grpSpPr>
+      <p:sp>
+        <p:nvSpPr>
+          <p:cNvPr id="2" name="Slide Image Placeholder 1"/>
+          <p:cNvSpPr>
+            <a:spLocks noGrp="1" noRot="1" noChangeAspect="1"/>
+          </p:cNvSpPr>
+          <p:nvPr>
+            <p:ph type="sldImg"/>
+          </p:nvPr>
+        </p:nvSpPr>
+        <p:spPr/>
+      </p:sp>
+      <p:sp>
+        <p:nvSpPr>
+          <p:cNvPr id="3" name="Notes Placeholder 2"/>
+          <p:cNvSpPr>
+            <a:spLocks noGrp="1"/>
+          </p:cNvSpPr>
+          <p:nvPr>
+            <p:ph type="body" idx="1"/>
+          </p:nvPr>
+        </p:nvSpPr>
+        <p:spPr/>
+        <p:txBody>
+          <a:bodyPr/>
+          <a:lstStyle/>
+          <a:p>
+            <a:pPr marL="0" marR="0" lvl="0" indent="0" algn="l" defTabSz="914400" rtl="0" eaLnBrk="1" fontAlgn="auto" latinLnBrk="0" hangingPunct="1">
+              <a:lnSpc>
+                <a:spcPct val="100000"/>
+              </a:lnSpc>
+              <a:spcBef>
+                <a:spcPts val="0"/>
+              </a:spcBef>
+              <a:spcAft>
+                <a:spcPts val="0"/>
+              </a:spcAft>
+              <a:buClrTx/>
+              <a:buSzTx/>
+              <a:buFontTx/>
+              <a:buNone/>
+              <a:tabLst/>
+              <a:defRPr/>
+            </a:pPr>
+            <a:r>
+              <a:rPr lang="en-US" sz="1800" dirty="0">
+                <a:effectLst/>
+                <a:latin typeface="Calibri" panose="020F0502020204030204" pitchFamily="34" charset="0"/>
+                <a:ea typeface="Calibri" panose="020F0502020204030204" pitchFamily="34" charset="0"/>
+                <a:cs typeface="Arial" panose="020B0604020202020204" pitchFamily="34" charset="0"/>
+              </a:rPr>
+              <a:t>The application helps to store data about ongoing dubbing projects to manage them. The application can store data about movies, persons, tags, publishers, users, genres. </a:t>
+            </a:r>
+          </a:p>
+          <a:p>
+            <a:pPr marL="0" marR="0" lvl="0" indent="0" algn="l" defTabSz="914400" rtl="0" eaLnBrk="1" fontAlgn="auto" latinLnBrk="0" hangingPunct="1">
+              <a:lnSpc>
+                <a:spcPct val="100000"/>
+              </a:lnSpc>
+              <a:spcBef>
+                <a:spcPts val="0"/>
+              </a:spcBef>
+              <a:spcAft>
+                <a:spcPts val="0"/>
+              </a:spcAft>
+              <a:buClrTx/>
+              <a:buSzTx/>
+              <a:buFontTx/>
+              <a:buNone/>
+              <a:tabLst/>
+              <a:defRPr/>
+            </a:pPr>
+            <a:endParaRPr lang="en-US" sz="1800" dirty="0">
+              <a:effectLst/>
+              <a:latin typeface="Calibri" panose="020F0502020204030204" pitchFamily="34" charset="0"/>
+              <a:ea typeface="Calibri" panose="020F0502020204030204" pitchFamily="34" charset="0"/>
+              <a:cs typeface="Arial" panose="020B0604020202020204" pitchFamily="34" charset="0"/>
+            </a:endParaRPr>
+          </a:p>
+          <a:p>
+            <a:pPr marL="342900" marR="0" lvl="0" indent="-342900">
+              <a:lnSpc>
+                <a:spcPct val="115000"/>
+              </a:lnSpc>
+              <a:spcBef>
+                <a:spcPts val="0"/>
+              </a:spcBef>
+              <a:spcAft>
+                <a:spcPts val="0"/>
+              </a:spcAft>
+              <a:buFont typeface="Symbol" panose="05050102010706020507" pitchFamily="18" charset="2"/>
+              <a:buChar char=""/>
+            </a:pPr>
+            <a:r>
+              <a:rPr lang="en-US" sz="1800" dirty="0">
+                <a:effectLst/>
+                <a:latin typeface="Calibri" panose="020F0502020204030204" pitchFamily="34" charset="0"/>
+                <a:ea typeface="Calibri" panose="020F0502020204030204" pitchFamily="34" charset="0"/>
+                <a:cs typeface="Arial" panose="020B0604020202020204" pitchFamily="34" charset="0"/>
+              </a:rPr>
+              <a:t>C#, this programming language mainly supporting for WPF. </a:t>
+            </a:r>
+            <a:endParaRPr lang="en-US" sz="1800" dirty="0">
+              <a:effectLst/>
+              <a:latin typeface="Calibri" panose="020F0502020204030204" pitchFamily="34" charset="0"/>
+              <a:ea typeface="Calibri" panose="020F0502020204030204" pitchFamily="34" charset="0"/>
+              <a:cs typeface="Times New Roman" panose="02020603050405020304" pitchFamily="18" charset="0"/>
+            </a:endParaRPr>
+          </a:p>
+          <a:p>
+            <a:pPr marL="342900" marR="0" lvl="0" indent="-342900">
+              <a:lnSpc>
+                <a:spcPct val="115000"/>
+              </a:lnSpc>
+              <a:spcBef>
+                <a:spcPts val="0"/>
+              </a:spcBef>
+              <a:spcAft>
+                <a:spcPts val="0"/>
+              </a:spcAft>
+              <a:buFont typeface="Symbol" panose="05050102010706020507" pitchFamily="18" charset="2"/>
+              <a:buChar char=""/>
+            </a:pPr>
+            <a:r>
+              <a:rPr lang="en-US" sz="1800" dirty="0" err="1">
+                <a:effectLst/>
+                <a:latin typeface="Calibri" panose="020F0502020204030204" pitchFamily="34" charset="0"/>
+                <a:ea typeface="Calibri" panose="020F0502020204030204" pitchFamily="34" charset="0"/>
+                <a:cs typeface="Arial" panose="020B0604020202020204" pitchFamily="34" charset="0"/>
+              </a:rPr>
+              <a:t>.Net</a:t>
+            </a:r>
+            <a:r>
+              <a:rPr lang="en-US" sz="1800" dirty="0">
+                <a:effectLst/>
+                <a:latin typeface="Calibri" panose="020F0502020204030204" pitchFamily="34" charset="0"/>
+                <a:ea typeface="Calibri" panose="020F0502020204030204" pitchFamily="34" charset="0"/>
+                <a:cs typeface="Arial" panose="020B0604020202020204" pitchFamily="34" charset="0"/>
+              </a:rPr>
+              <a:t> Framework, its stores useful class collection and the important part is the WPF app needs to </a:t>
+            </a:r>
+            <a:r>
+              <a:rPr lang="en-US" sz="1800" dirty="0" err="1">
+                <a:effectLst/>
+                <a:latin typeface="Calibri" panose="020F0502020204030204" pitchFamily="34" charset="0"/>
+                <a:ea typeface="Calibri" panose="020F0502020204030204" pitchFamily="34" charset="0"/>
+                <a:cs typeface="Arial" panose="020B0604020202020204" pitchFamily="34" charset="0"/>
+              </a:rPr>
+              <a:t>.Net</a:t>
+            </a:r>
+            <a:r>
+              <a:rPr lang="en-US" sz="1800" dirty="0">
+                <a:effectLst/>
+                <a:latin typeface="Calibri" panose="020F0502020204030204" pitchFamily="34" charset="0"/>
+                <a:ea typeface="Calibri" panose="020F0502020204030204" pitchFamily="34" charset="0"/>
+                <a:cs typeface="Arial" panose="020B0604020202020204" pitchFamily="34" charset="0"/>
+              </a:rPr>
+              <a:t> to work and build the project.</a:t>
+            </a:r>
+            <a:endParaRPr lang="en-US" sz="1800" dirty="0">
+              <a:effectLst/>
+              <a:latin typeface="Calibri" panose="020F0502020204030204" pitchFamily="34" charset="0"/>
+              <a:ea typeface="Calibri" panose="020F0502020204030204" pitchFamily="34" charset="0"/>
+              <a:cs typeface="Times New Roman" panose="02020603050405020304" pitchFamily="18" charset="0"/>
+            </a:endParaRPr>
+          </a:p>
+          <a:p>
+            <a:pPr marL="342900" marR="0" lvl="0" indent="-342900">
+              <a:lnSpc>
+                <a:spcPct val="115000"/>
+              </a:lnSpc>
+              <a:spcBef>
+                <a:spcPts val="0"/>
+              </a:spcBef>
+              <a:spcAft>
+                <a:spcPts val="0"/>
+              </a:spcAft>
+              <a:buFont typeface="Symbol" panose="05050102010706020507" pitchFamily="18" charset="2"/>
+              <a:buChar char=""/>
+            </a:pPr>
+            <a:r>
+              <a:rPr lang="en-US" sz="1800" dirty="0">
+                <a:effectLst/>
+                <a:latin typeface="Calibri" panose="020F0502020204030204" pitchFamily="34" charset="0"/>
+                <a:ea typeface="Calibri" panose="020F0502020204030204" pitchFamily="34" charset="0"/>
+                <a:cs typeface="Arial" panose="020B0604020202020204" pitchFamily="34" charset="0"/>
+              </a:rPr>
+              <a:t>EntityFramework, I used that as ORM framework. Basically, An Entity Framework does; managing Database via your table definitions and generates T-SQL queries via.</a:t>
+            </a:r>
+            <a:endParaRPr lang="en-US" sz="1800" dirty="0">
+              <a:effectLst/>
+              <a:latin typeface="Calibri" panose="020F0502020204030204" pitchFamily="34" charset="0"/>
+              <a:ea typeface="Calibri" panose="020F0502020204030204" pitchFamily="34" charset="0"/>
+              <a:cs typeface="Times New Roman" panose="02020603050405020304" pitchFamily="18" charset="0"/>
+            </a:endParaRPr>
+          </a:p>
+          <a:p>
+            <a:pPr marL="342900" marR="0" lvl="0" indent="-342900">
+              <a:lnSpc>
+                <a:spcPct val="115000"/>
+              </a:lnSpc>
+              <a:spcBef>
+                <a:spcPts val="0"/>
+              </a:spcBef>
+              <a:spcAft>
+                <a:spcPts val="1000"/>
+              </a:spcAft>
+              <a:buFont typeface="Symbol" panose="05050102010706020507" pitchFamily="18" charset="2"/>
+              <a:buChar char=""/>
+            </a:pPr>
+            <a:r>
+              <a:rPr lang="en-US" sz="1800" dirty="0" err="1">
+                <a:effectLst/>
+                <a:latin typeface="Calibri" panose="020F0502020204030204" pitchFamily="34" charset="0"/>
+                <a:ea typeface="Calibri" panose="020F0502020204030204" pitchFamily="34" charset="0"/>
+                <a:cs typeface="Arial" panose="020B0604020202020204" pitchFamily="34" charset="0"/>
+              </a:rPr>
+              <a:t>NInject</a:t>
+            </a:r>
+            <a:r>
+              <a:rPr lang="en-US" sz="1800" dirty="0">
+                <a:effectLst/>
+                <a:latin typeface="Calibri" panose="020F0502020204030204" pitchFamily="34" charset="0"/>
+                <a:ea typeface="Calibri" panose="020F0502020204030204" pitchFamily="34" charset="0"/>
+                <a:cs typeface="Arial" panose="020B0604020202020204" pitchFamily="34" charset="0"/>
+              </a:rPr>
+              <a:t>, the library for Dependency Injection.</a:t>
+            </a:r>
+            <a:endParaRPr lang="en-US" sz="1800" dirty="0">
+              <a:effectLst/>
+              <a:latin typeface="Calibri" panose="020F0502020204030204" pitchFamily="34" charset="0"/>
+              <a:ea typeface="Calibri" panose="020F0502020204030204" pitchFamily="34" charset="0"/>
+              <a:cs typeface="Times New Roman" panose="02020603050405020304" pitchFamily="18" charset="0"/>
+            </a:endParaRPr>
+          </a:p>
+          <a:p>
+            <a:pPr marL="0" marR="0" lvl="0" indent="0" algn="l" defTabSz="914400" rtl="0" eaLnBrk="1" fontAlgn="auto" latinLnBrk="0" hangingPunct="1">
+              <a:lnSpc>
+                <a:spcPct val="100000"/>
+              </a:lnSpc>
+              <a:spcBef>
+                <a:spcPts val="0"/>
+              </a:spcBef>
+              <a:spcAft>
+                <a:spcPts val="0"/>
+              </a:spcAft>
+              <a:buClrTx/>
+              <a:buSzTx/>
+              <a:buFontTx/>
+              <a:buNone/>
+              <a:tabLst/>
+              <a:defRPr/>
+            </a:pPr>
+            <a:endParaRPr lang="en-US" sz="1800" dirty="0">
+              <a:effectLst/>
+              <a:latin typeface="Calibri" panose="020F0502020204030204" pitchFamily="34" charset="0"/>
+              <a:ea typeface="Calibri" panose="020F0502020204030204" pitchFamily="34" charset="0"/>
+              <a:cs typeface="Times New Roman" panose="02020603050405020304" pitchFamily="18" charset="0"/>
+            </a:endParaRPr>
+          </a:p>
+          <a:p>
+            <a:endParaRPr lang="en-US" dirty="0"/>
+          </a:p>
+        </p:txBody>
+      </p:sp>
+      <p:sp>
+        <p:nvSpPr>
+          <p:cNvPr id="4" name="Slide Number Placeholder 3"/>
+          <p:cNvSpPr>
+            <a:spLocks noGrp="1"/>
+          </p:cNvSpPr>
+          <p:nvPr>
+            <p:ph type="sldNum" sz="quarter" idx="5"/>
+          </p:nvPr>
+        </p:nvSpPr>
+        <p:spPr/>
+        <p:txBody>
+          <a:bodyPr/>
+          <a:lstStyle/>
+          <a:p>
+            <a:fld id="{3D2B31D8-46AE-4F93-9A15-F66EC4172E13}" type="slidenum">
+              <a:rPr lang="en-US" smtClean="0"/>
+              <a:t>3</a:t>
+            </a:fld>
+            <a:endParaRPr lang="en-US"/>
+          </a:p>
+        </p:txBody>
+      </p:sp>
+    </p:spTree>
+    <p:extLst>
+      <p:ext uri="{BB962C8B-B14F-4D97-AF65-F5344CB8AC3E}">
+        <p14:creationId xmlns:p14="http://schemas.microsoft.com/office/powerpoint/2010/main" val="234949295"/>
+      </p:ext>
+    </p:extLst>
+  </p:cSld>
+  <p:clrMapOvr>
+    <a:masterClrMapping/>
+  </p:clrMapOvr>
+</p:notes>
+</file>
+
+<file path=ppt/notesSlides/notesSlide3.xml><?xml version="1.0" encoding="utf-8"?>
+<p:notes xmlns:a="http://schemas.openxmlformats.org/drawingml/2006/main" xmlns:r="http://schemas.openxmlformats.org/officeDocument/2006/relationships" xmlns:p="http://schemas.openxmlformats.org/presentationml/2006/main">
+  <p:cSld>
+    <p:spTree>
+      <p:nvGrpSpPr>
+        <p:cNvPr id="1" name=""/>
+        <p:cNvGrpSpPr/>
+        <p:nvPr/>
+      </p:nvGrpSpPr>
+      <p:grpSpPr>
+        <a:xfrm>
+          <a:off x="0" y="0"/>
+          <a:ext cx="0" cy="0"/>
+          <a:chOff x="0" y="0"/>
+          <a:chExt cx="0" cy="0"/>
+        </a:xfrm>
+      </p:grpSpPr>
+      <p:sp>
+        <p:nvSpPr>
+          <p:cNvPr id="2" name="Slide Image Placeholder 1"/>
+          <p:cNvSpPr>
+            <a:spLocks noGrp="1" noRot="1" noChangeAspect="1"/>
+          </p:cNvSpPr>
+          <p:nvPr>
+            <p:ph type="sldImg"/>
+          </p:nvPr>
+        </p:nvSpPr>
+        <p:spPr/>
+      </p:sp>
+      <p:sp>
+        <p:nvSpPr>
+          <p:cNvPr id="3" name="Notes Placeholder 2"/>
+          <p:cNvSpPr>
+            <a:spLocks noGrp="1"/>
+          </p:cNvSpPr>
+          <p:nvPr>
+            <p:ph type="body" idx="1"/>
+          </p:nvPr>
+        </p:nvSpPr>
+        <p:spPr/>
+        <p:txBody>
+          <a:bodyPr/>
+          <a:lstStyle/>
+          <a:p>
+            <a:pPr marL="0" marR="0" lvl="0" indent="0" algn="l" defTabSz="914400" rtl="0" eaLnBrk="1" fontAlgn="auto" latinLnBrk="0" hangingPunct="1">
+              <a:lnSpc>
+                <a:spcPct val="100000"/>
+              </a:lnSpc>
+              <a:spcBef>
+                <a:spcPts val="0"/>
+              </a:spcBef>
+              <a:spcAft>
+                <a:spcPts val="0"/>
+              </a:spcAft>
+              <a:buClrTx/>
+              <a:buSzTx/>
+              <a:buFontTx/>
+              <a:buNone/>
+              <a:tabLst/>
+              <a:defRPr/>
+            </a:pPr>
+            <a:r>
+              <a:rPr lang="en-US" sz="1800" dirty="0">
+                <a:effectLst/>
+                <a:latin typeface="Calibri" panose="020F0502020204030204" pitchFamily="34" charset="0"/>
+                <a:ea typeface="Calibri" panose="020F0502020204030204" pitchFamily="34" charset="0"/>
+                <a:cs typeface="Times New Roman" panose="02020603050405020304" pitchFamily="18" charset="0"/>
+              </a:rPr>
+              <a:t>Some screens are designed to operate CRUD operation for simple tables, that’s are named as Support Screens. </a:t>
+            </a:r>
+          </a:p>
+          <a:p>
+            <a:pPr marL="0" marR="0" lvl="0" indent="0" algn="l" defTabSz="914400" rtl="0" eaLnBrk="1" fontAlgn="auto" latinLnBrk="0" hangingPunct="1">
+              <a:lnSpc>
+                <a:spcPct val="100000"/>
+              </a:lnSpc>
+              <a:spcBef>
+                <a:spcPts val="0"/>
+              </a:spcBef>
+              <a:spcAft>
+                <a:spcPts val="0"/>
+              </a:spcAft>
+              <a:buClrTx/>
+              <a:buSzTx/>
+              <a:buFontTx/>
+              <a:buNone/>
+              <a:tabLst/>
+              <a:defRPr/>
+            </a:pPr>
+            <a:endParaRPr lang="en-US" sz="1800" dirty="0">
+              <a:effectLst/>
+              <a:latin typeface="Calibri" panose="020F0502020204030204" pitchFamily="34" charset="0"/>
+              <a:ea typeface="Calibri" panose="020F0502020204030204" pitchFamily="34" charset="0"/>
+              <a:cs typeface="Times New Roman" panose="02020603050405020304" pitchFamily="18" charset="0"/>
+            </a:endParaRPr>
+          </a:p>
+          <a:p>
+            <a:pPr marL="0" marR="0" lvl="0" indent="0" algn="l" defTabSz="914400" rtl="0" eaLnBrk="1" fontAlgn="auto" latinLnBrk="0" hangingPunct="1">
+              <a:lnSpc>
+                <a:spcPct val="100000"/>
+              </a:lnSpc>
+              <a:spcBef>
+                <a:spcPts val="0"/>
+              </a:spcBef>
+              <a:spcAft>
+                <a:spcPts val="0"/>
+              </a:spcAft>
+              <a:buClrTx/>
+              <a:buSzTx/>
+              <a:buFontTx/>
+              <a:buNone/>
+              <a:tabLst/>
+              <a:defRPr/>
+            </a:pPr>
+            <a:r>
+              <a:rPr lang="en-US" sz="1800" dirty="0">
+                <a:effectLst/>
+                <a:latin typeface="Calibri" panose="020F0502020204030204" pitchFamily="34" charset="0"/>
+                <a:ea typeface="Calibri" panose="020F0502020204030204" pitchFamily="34" charset="0"/>
+                <a:cs typeface="Times New Roman" panose="02020603050405020304" pitchFamily="18" charset="0"/>
+              </a:rPr>
+              <a:t>The other screen category is Master Screens, these screens using for CRUD operations like Support Screens. </a:t>
+            </a:r>
+          </a:p>
+          <a:p>
+            <a:pPr marL="0" marR="0" lvl="0" indent="0" algn="l" defTabSz="914400" rtl="0" eaLnBrk="1" fontAlgn="auto" latinLnBrk="0" hangingPunct="1">
+              <a:lnSpc>
+                <a:spcPct val="100000"/>
+              </a:lnSpc>
+              <a:spcBef>
+                <a:spcPts val="0"/>
+              </a:spcBef>
+              <a:spcAft>
+                <a:spcPts val="0"/>
+              </a:spcAft>
+              <a:buClrTx/>
+              <a:buSzTx/>
+              <a:buFontTx/>
+              <a:buNone/>
+              <a:tabLst/>
+              <a:defRPr/>
+            </a:pPr>
+            <a:endParaRPr lang="en-US" sz="1800" dirty="0">
+              <a:effectLst/>
+              <a:latin typeface="Calibri" panose="020F0502020204030204" pitchFamily="34" charset="0"/>
+              <a:ea typeface="Calibri" panose="020F0502020204030204" pitchFamily="34" charset="0"/>
+              <a:cs typeface="Times New Roman" panose="02020603050405020304" pitchFamily="18" charset="0"/>
+            </a:endParaRPr>
+          </a:p>
+          <a:p>
+            <a:pPr marL="0" marR="0" lvl="0" indent="0" algn="l" defTabSz="914400" rtl="0" eaLnBrk="1" fontAlgn="auto" latinLnBrk="0" hangingPunct="1">
+              <a:lnSpc>
+                <a:spcPct val="100000"/>
+              </a:lnSpc>
+              <a:spcBef>
+                <a:spcPts val="0"/>
+              </a:spcBef>
+              <a:spcAft>
+                <a:spcPts val="0"/>
+              </a:spcAft>
+              <a:buClrTx/>
+              <a:buSzTx/>
+              <a:buFontTx/>
+              <a:buNone/>
+              <a:tabLst/>
+              <a:defRPr/>
+            </a:pPr>
+            <a:r>
+              <a:rPr lang="en-US" sz="1800" dirty="0">
+                <a:effectLst/>
+                <a:latin typeface="Calibri" panose="020F0502020204030204" pitchFamily="34" charset="0"/>
+                <a:ea typeface="Calibri" panose="020F0502020204030204" pitchFamily="34" charset="0"/>
+                <a:cs typeface="Times New Roman" panose="02020603050405020304" pitchFamily="18" charset="0"/>
+              </a:rPr>
+              <a:t>But the differences are; table of the master screen is have one or more than one relation with other tables and that makes master screens to more complex.</a:t>
+            </a:r>
+          </a:p>
+          <a:p>
+            <a:pPr marL="0" marR="0" lvl="0" indent="0" algn="l" defTabSz="914400" rtl="0" eaLnBrk="1" fontAlgn="auto" latinLnBrk="0" hangingPunct="1">
+              <a:lnSpc>
+                <a:spcPct val="100000"/>
+              </a:lnSpc>
+              <a:spcBef>
+                <a:spcPts val="0"/>
+              </a:spcBef>
+              <a:spcAft>
+                <a:spcPts val="0"/>
+              </a:spcAft>
+              <a:buClrTx/>
+              <a:buSzTx/>
+              <a:buFontTx/>
+              <a:buNone/>
+              <a:tabLst/>
+              <a:defRPr/>
+            </a:pPr>
+            <a:endParaRPr lang="en-US" sz="1800" dirty="0">
+              <a:effectLst/>
+              <a:latin typeface="Calibri" panose="020F0502020204030204" pitchFamily="34" charset="0"/>
+              <a:ea typeface="Calibri" panose="020F0502020204030204" pitchFamily="34" charset="0"/>
+              <a:cs typeface="Times New Roman" panose="02020603050405020304" pitchFamily="18" charset="0"/>
+            </a:endParaRPr>
+          </a:p>
+          <a:p>
+            <a:pPr marL="0" marR="0" lvl="0" indent="0" algn="l" defTabSz="914400" rtl="0" eaLnBrk="1" fontAlgn="auto" latinLnBrk="0" hangingPunct="1">
+              <a:lnSpc>
+                <a:spcPct val="100000"/>
+              </a:lnSpc>
+              <a:spcBef>
+                <a:spcPts val="0"/>
+              </a:spcBef>
+              <a:spcAft>
+                <a:spcPts val="0"/>
+              </a:spcAft>
+              <a:buClrTx/>
+              <a:buSzTx/>
+              <a:buFontTx/>
+              <a:buNone/>
+              <a:tabLst/>
+              <a:defRPr/>
+            </a:pPr>
+            <a:r>
+              <a:rPr lang="en-US" sz="1800" dirty="0">
+                <a:effectLst/>
+                <a:latin typeface="Calibri" panose="020F0502020204030204" pitchFamily="34" charset="0"/>
+                <a:ea typeface="Calibri" panose="020F0502020204030204" pitchFamily="34" charset="0"/>
+                <a:cs typeface="Times New Roman" panose="02020603050405020304" pitchFamily="18" charset="0"/>
+              </a:rPr>
+              <a:t>Also, I didn’t use multiple window to be honest. The application have only one window. This window is hosting the user-controls, that’s means each screen actually an user-control.</a:t>
+            </a:r>
+          </a:p>
+          <a:p>
+            <a:endParaRPr lang="en-US" dirty="0"/>
+          </a:p>
+        </p:txBody>
+      </p:sp>
+      <p:sp>
+        <p:nvSpPr>
+          <p:cNvPr id="4" name="Slide Number Placeholder 3"/>
+          <p:cNvSpPr>
+            <a:spLocks noGrp="1"/>
+          </p:cNvSpPr>
+          <p:nvPr>
+            <p:ph type="sldNum" sz="quarter" idx="5"/>
+          </p:nvPr>
+        </p:nvSpPr>
+        <p:spPr/>
+        <p:txBody>
+          <a:bodyPr/>
+          <a:lstStyle/>
+          <a:p>
+            <a:fld id="{3D2B31D8-46AE-4F93-9A15-F66EC4172E13}" type="slidenum">
+              <a:rPr lang="en-US" smtClean="0"/>
+              <a:t>4</a:t>
+            </a:fld>
+            <a:endParaRPr lang="en-US"/>
+          </a:p>
+        </p:txBody>
+      </p:sp>
+    </p:spTree>
+    <p:extLst>
+      <p:ext uri="{BB962C8B-B14F-4D97-AF65-F5344CB8AC3E}">
+        <p14:creationId xmlns:p14="http://schemas.microsoft.com/office/powerpoint/2010/main" val="2871562321"/>
+      </p:ext>
+    </p:extLst>
+  </p:cSld>
+  <p:clrMapOvr>
+    <a:masterClrMapping/>
+  </p:clrMapOvr>
+</p:notes>
+</file>
+
+<file path=ppt/notesSlides/notesSlide4.xml><?xml version="1.0" encoding="utf-8"?>
+<p:notes xmlns:a="http://schemas.openxmlformats.org/drawingml/2006/main" xmlns:r="http://schemas.openxmlformats.org/officeDocument/2006/relationships" xmlns:p="http://schemas.openxmlformats.org/presentationml/2006/main">
+  <p:cSld>
+    <p:spTree>
+      <p:nvGrpSpPr>
+        <p:cNvPr id="1" name=""/>
+        <p:cNvGrpSpPr/>
+        <p:nvPr/>
+      </p:nvGrpSpPr>
+      <p:grpSpPr>
+        <a:xfrm>
+          <a:off x="0" y="0"/>
+          <a:ext cx="0" cy="0"/>
+          <a:chOff x="0" y="0"/>
+          <a:chExt cx="0" cy="0"/>
+        </a:xfrm>
+      </p:grpSpPr>
+      <p:sp>
+        <p:nvSpPr>
+          <p:cNvPr id="2" name="Slide Image Placeholder 1"/>
+          <p:cNvSpPr>
+            <a:spLocks noGrp="1" noRot="1" noChangeAspect="1"/>
+          </p:cNvSpPr>
+          <p:nvPr>
+            <p:ph type="sldImg"/>
+          </p:nvPr>
+        </p:nvSpPr>
+        <p:spPr/>
+      </p:sp>
+      <p:sp>
+        <p:nvSpPr>
+          <p:cNvPr id="3" name="Notes Placeholder 2"/>
+          <p:cNvSpPr>
+            <a:spLocks noGrp="1"/>
+          </p:cNvSpPr>
+          <p:nvPr>
+            <p:ph type="body" idx="1"/>
+          </p:nvPr>
+        </p:nvSpPr>
+        <p:spPr/>
+        <p:txBody>
+          <a:bodyPr/>
+          <a:lstStyle/>
+          <a:p>
+            <a:endParaRPr lang="en-US" dirty="0"/>
+          </a:p>
+        </p:txBody>
+      </p:sp>
+      <p:sp>
+        <p:nvSpPr>
+          <p:cNvPr id="4" name="Slide Number Placeholder 3"/>
+          <p:cNvSpPr>
+            <a:spLocks noGrp="1"/>
+          </p:cNvSpPr>
+          <p:nvPr>
+            <p:ph type="sldNum" sz="quarter" idx="5"/>
+          </p:nvPr>
+        </p:nvSpPr>
+        <p:spPr/>
+        <p:txBody>
+          <a:bodyPr/>
+          <a:lstStyle/>
+          <a:p>
+            <a:fld id="{3D2B31D8-46AE-4F93-9A15-F66EC4172E13}" type="slidenum">
+              <a:rPr lang="en-US" smtClean="0"/>
+              <a:t>6</a:t>
+            </a:fld>
+            <a:endParaRPr lang="en-US"/>
+          </a:p>
+        </p:txBody>
+      </p:sp>
+    </p:spTree>
+    <p:extLst>
+      <p:ext uri="{BB962C8B-B14F-4D97-AF65-F5344CB8AC3E}">
+        <p14:creationId xmlns:p14="http://schemas.microsoft.com/office/powerpoint/2010/main" val="3180392375"/>
+      </p:ext>
+    </p:extLst>
+  </p:cSld>
+  <p:clrMapOvr>
+    <a:masterClrMapping/>
+  </p:clrMapOvr>
+</p:notes>
+</file>
+
+<file path=ppt/notesSlides/notesSlide5.xml><?xml version="1.0" encoding="utf-8"?>
+<p:notes xmlns:a="http://schemas.openxmlformats.org/drawingml/2006/main" xmlns:r="http://schemas.openxmlformats.org/officeDocument/2006/relationships" xmlns:p="http://schemas.openxmlformats.org/presentationml/2006/main">
+  <p:cSld>
+    <p:spTree>
+      <p:nvGrpSpPr>
+        <p:cNvPr id="1" name=""/>
+        <p:cNvGrpSpPr/>
+        <p:nvPr/>
+      </p:nvGrpSpPr>
+      <p:grpSpPr>
+        <a:xfrm>
+          <a:off x="0" y="0"/>
+          <a:ext cx="0" cy="0"/>
+          <a:chOff x="0" y="0"/>
+          <a:chExt cx="0" cy="0"/>
+        </a:xfrm>
+      </p:grpSpPr>
+      <p:sp>
+        <p:nvSpPr>
+          <p:cNvPr id="2" name="Slide Image Placeholder 1"/>
+          <p:cNvSpPr>
+            <a:spLocks noGrp="1" noRot="1" noChangeAspect="1"/>
+          </p:cNvSpPr>
+          <p:nvPr>
+            <p:ph type="sldImg"/>
+          </p:nvPr>
+        </p:nvSpPr>
+        <p:spPr/>
+      </p:sp>
+      <p:sp>
+        <p:nvSpPr>
+          <p:cNvPr id="3" name="Notes Placeholder 2"/>
+          <p:cNvSpPr>
+            <a:spLocks noGrp="1"/>
+          </p:cNvSpPr>
+          <p:nvPr>
+            <p:ph type="body" idx="1"/>
+          </p:nvPr>
+        </p:nvSpPr>
+        <p:spPr/>
+        <p:txBody>
+          <a:bodyPr/>
+          <a:lstStyle/>
+          <a:p>
+            <a:endParaRPr lang="en-US" dirty="0"/>
+          </a:p>
+        </p:txBody>
+      </p:sp>
+      <p:sp>
+        <p:nvSpPr>
+          <p:cNvPr id="4" name="Slide Number Placeholder 3"/>
+          <p:cNvSpPr>
+            <a:spLocks noGrp="1"/>
+          </p:cNvSpPr>
+          <p:nvPr>
+            <p:ph type="sldNum" sz="quarter" idx="5"/>
+          </p:nvPr>
+        </p:nvSpPr>
+        <p:spPr/>
+        <p:txBody>
+          <a:bodyPr/>
+          <a:lstStyle/>
+          <a:p>
+            <a:fld id="{3D2B31D8-46AE-4F93-9A15-F66EC4172E13}" type="slidenum">
+              <a:rPr lang="en-US" smtClean="0"/>
+              <a:t>7</a:t>
+            </a:fld>
+            <a:endParaRPr lang="en-US"/>
+          </a:p>
+        </p:txBody>
+      </p:sp>
+    </p:spTree>
+    <p:extLst>
+      <p:ext uri="{BB962C8B-B14F-4D97-AF65-F5344CB8AC3E}">
+        <p14:creationId xmlns:p14="http://schemas.microsoft.com/office/powerpoint/2010/main" val="364138455"/>
+      </p:ext>
+    </p:extLst>
+  </p:cSld>
+  <p:clrMapOvr>
+    <a:masterClrMapping/>
+  </p:clrMapOvr>
+</p:notes>
+</file>
+
+<file path=ppt/notesSlides/notesSlide6.xml><?xml version="1.0" encoding="utf-8"?>
+<p:notes xmlns:a="http://schemas.openxmlformats.org/drawingml/2006/main" xmlns:r="http://schemas.openxmlformats.org/officeDocument/2006/relationships" xmlns:p="http://schemas.openxmlformats.org/presentationml/2006/main">
+  <p:cSld>
+    <p:spTree>
+      <p:nvGrpSpPr>
+        <p:cNvPr id="1" name=""/>
+        <p:cNvGrpSpPr/>
+        <p:nvPr/>
+      </p:nvGrpSpPr>
+      <p:grpSpPr>
+        <a:xfrm>
+          <a:off x="0" y="0"/>
+          <a:ext cx="0" cy="0"/>
+          <a:chOff x="0" y="0"/>
+          <a:chExt cx="0" cy="0"/>
+        </a:xfrm>
+      </p:grpSpPr>
+      <p:sp>
+        <p:nvSpPr>
+          <p:cNvPr id="2" name="Slide Image Placeholder 1"/>
+          <p:cNvSpPr>
+            <a:spLocks noGrp="1" noRot="1" noChangeAspect="1"/>
+          </p:cNvSpPr>
+          <p:nvPr>
+            <p:ph type="sldImg"/>
+          </p:nvPr>
+        </p:nvSpPr>
+        <p:spPr/>
+      </p:sp>
+      <p:sp>
+        <p:nvSpPr>
+          <p:cNvPr id="3" name="Notes Placeholder 2"/>
+          <p:cNvSpPr>
+            <a:spLocks noGrp="1"/>
+          </p:cNvSpPr>
+          <p:nvPr>
+            <p:ph type="body" idx="1"/>
+          </p:nvPr>
+        </p:nvSpPr>
+        <p:spPr/>
+        <p:txBody>
+          <a:bodyPr/>
+          <a:lstStyle/>
+          <a:p>
+            <a:endParaRPr lang="en-US" dirty="0"/>
+          </a:p>
+        </p:txBody>
+      </p:sp>
+      <p:sp>
+        <p:nvSpPr>
+          <p:cNvPr id="4" name="Slide Number Placeholder 3"/>
+          <p:cNvSpPr>
+            <a:spLocks noGrp="1"/>
+          </p:cNvSpPr>
+          <p:nvPr>
+            <p:ph type="sldNum" sz="quarter" idx="5"/>
+          </p:nvPr>
+        </p:nvSpPr>
+        <p:spPr/>
+        <p:txBody>
+          <a:bodyPr/>
+          <a:lstStyle/>
+          <a:p>
+            <a:fld id="{3D2B31D8-46AE-4F93-9A15-F66EC4172E13}" type="slidenum">
+              <a:rPr lang="en-US" smtClean="0"/>
+              <a:t>8</a:t>
+            </a:fld>
+            <a:endParaRPr lang="en-US"/>
+          </a:p>
+        </p:txBody>
+      </p:sp>
+    </p:spTree>
+    <p:extLst>
+      <p:ext uri="{BB962C8B-B14F-4D97-AF65-F5344CB8AC3E}">
+        <p14:creationId xmlns:p14="http://schemas.microsoft.com/office/powerpoint/2010/main" val="4254443954"/>
+      </p:ext>
+    </p:extLst>
+  </p:cSld>
+  <p:clrMapOvr>
+    <a:masterClrMapping/>
+  </p:clrMapOvr>
+</p:notes>
+</file>
+
 <file path=ppt/slideLayouts/slideLayout1.xml><?xml version="1.0" encoding="utf-8"?>
 <p:sldLayout xmlns:a="http://schemas.openxmlformats.org/drawingml/2006/main" xmlns:r="http://schemas.openxmlformats.org/officeDocument/2006/relationships" xmlns:p="http://schemas.openxmlformats.org/presentationml/2006/main" showMasterSp="0" type="title" preserve="1">
   <p:cSld name="Title Slide">
@@ -1320,7 +2169,7 @@
           <a:p>
             <a:fld id="{3B351D7E-175D-4A1E-A67B-A4CE8EE9DF38}" type="datetimeFigureOut">
               <a:rPr lang="en-US" smtClean="0"/>
-              <a:t>2/5/2020</a:t>
+              <a:t>10/15/2020</a:t>
             </a:fld>
             <a:endParaRPr lang="en-US"/>
           </a:p>
@@ -1571,7 +2420,7 @@
           <a:p>
             <a:fld id="{3B351D7E-175D-4A1E-A67B-A4CE8EE9DF38}" type="datetimeFigureOut">
               <a:rPr lang="en-US" smtClean="0"/>
-              <a:t>2/5/2020</a:t>
+              <a:t>10/15/2020</a:t>
             </a:fld>
             <a:endParaRPr lang="en-US"/>
           </a:p>
@@ -1885,7 +2734,7 @@
           <a:p>
             <a:fld id="{3B351D7E-175D-4A1E-A67B-A4CE8EE9DF38}" type="datetimeFigureOut">
               <a:rPr lang="en-US" smtClean="0"/>
-              <a:t>2/5/2020</a:t>
+              <a:t>10/15/2020</a:t>
             </a:fld>
             <a:endParaRPr lang="en-US"/>
           </a:p>
@@ -2212,7 +3061,7 @@
           <a:p>
             <a:fld id="{3B351D7E-175D-4A1E-A67B-A4CE8EE9DF38}" type="datetimeFigureOut">
               <a:rPr lang="en-US" smtClean="0"/>
-              <a:t>2/5/2020</a:t>
+              <a:t>10/15/2020</a:t>
             </a:fld>
             <a:endParaRPr lang="en-US"/>
           </a:p>
@@ -2526,7 +3375,7 @@
           <a:p>
             <a:fld id="{3B351D7E-175D-4A1E-A67B-A4CE8EE9DF38}" type="datetimeFigureOut">
               <a:rPr lang="en-US" smtClean="0"/>
-              <a:t>2/5/2020</a:t>
+              <a:t>10/15/2020</a:t>
             </a:fld>
             <a:endParaRPr lang="en-US"/>
           </a:p>
@@ -2913,7 +3762,7 @@
           <a:p>
             <a:fld id="{3B351D7E-175D-4A1E-A67B-A4CE8EE9DF38}" type="datetimeFigureOut">
               <a:rPr lang="en-US" smtClean="0"/>
-              <a:t>2/5/2020</a:t>
+              <a:t>10/15/2020</a:t>
             </a:fld>
             <a:endParaRPr lang="en-US"/>
           </a:p>
@@ -3083,7 +3932,7 @@
           <a:p>
             <a:fld id="{3B351D7E-175D-4A1E-A67B-A4CE8EE9DF38}" type="datetimeFigureOut">
               <a:rPr lang="en-US" smtClean="0"/>
-              <a:t>2/5/2020</a:t>
+              <a:t>10/15/2020</a:t>
             </a:fld>
             <a:endParaRPr lang="en-US"/>
           </a:p>
@@ -3263,7 +4112,7 @@
           <a:p>
             <a:fld id="{3B351D7E-175D-4A1E-A67B-A4CE8EE9DF38}" type="datetimeFigureOut">
               <a:rPr lang="en-US" smtClean="0"/>
-              <a:t>2/5/2020</a:t>
+              <a:t>10/15/2020</a:t>
             </a:fld>
             <a:endParaRPr lang="en-US"/>
           </a:p>
@@ -3439,7 +4288,7 @@
           <a:p>
             <a:fld id="{3B351D7E-175D-4A1E-A67B-A4CE8EE9DF38}" type="datetimeFigureOut">
               <a:rPr lang="en-US" smtClean="0"/>
-              <a:t>2/5/2020</a:t>
+              <a:t>10/15/2020</a:t>
             </a:fld>
             <a:endParaRPr lang="en-US"/>
           </a:p>
@@ -3686,7 +4535,7 @@
           <a:p>
             <a:fld id="{3B351D7E-175D-4A1E-A67B-A4CE8EE9DF38}" type="datetimeFigureOut">
               <a:rPr lang="en-US" smtClean="0"/>
-              <a:t>2/5/2020</a:t>
+              <a:t>10/15/2020</a:t>
             </a:fld>
             <a:endParaRPr lang="en-US"/>
           </a:p>
@@ -3918,7 +4767,7 @@
           <a:p>
             <a:fld id="{3B351D7E-175D-4A1E-A67B-A4CE8EE9DF38}" type="datetimeFigureOut">
               <a:rPr lang="en-US" smtClean="0"/>
-              <a:t>2/5/2020</a:t>
+              <a:t>10/15/2020</a:t>
             </a:fld>
             <a:endParaRPr lang="en-US"/>
           </a:p>
@@ -4292,7 +5141,7 @@
           <a:p>
             <a:fld id="{3B351D7E-175D-4A1E-A67B-A4CE8EE9DF38}" type="datetimeFigureOut">
               <a:rPr lang="en-US" smtClean="0"/>
-              <a:t>2/5/2020</a:t>
+              <a:t>10/15/2020</a:t>
             </a:fld>
             <a:endParaRPr lang="en-US"/>
           </a:p>
@@ -4415,7 +5264,7 @@
           <a:p>
             <a:fld id="{3B351D7E-175D-4A1E-A67B-A4CE8EE9DF38}" type="datetimeFigureOut">
               <a:rPr lang="en-US" smtClean="0"/>
-              <a:t>2/5/2020</a:t>
+              <a:t>10/15/2020</a:t>
             </a:fld>
             <a:endParaRPr lang="en-US"/>
           </a:p>
@@ -4510,7 +5359,7 @@
           <a:p>
             <a:fld id="{3B351D7E-175D-4A1E-A67B-A4CE8EE9DF38}" type="datetimeFigureOut">
               <a:rPr lang="en-US" smtClean="0"/>
-              <a:t>2/5/2020</a:t>
+              <a:t>10/15/2020</a:t>
             </a:fld>
             <a:endParaRPr lang="en-US"/>
           </a:p>
@@ -4765,7 +5614,7 @@
           <a:p>
             <a:fld id="{3B351D7E-175D-4A1E-A67B-A4CE8EE9DF38}" type="datetimeFigureOut">
               <a:rPr lang="en-US" smtClean="0"/>
-              <a:t>2/5/2020</a:t>
+              <a:t>10/15/2020</a:t>
             </a:fld>
             <a:endParaRPr lang="en-US"/>
           </a:p>
@@ -5028,7 +5877,7 @@
           <a:p>
             <a:fld id="{3B351D7E-175D-4A1E-A67B-A4CE8EE9DF38}" type="datetimeFigureOut">
               <a:rPr lang="en-US" smtClean="0"/>
-              <a:t>2/5/2020</a:t>
+              <a:t>10/15/2020</a:t>
             </a:fld>
             <a:endParaRPr lang="en-US"/>
           </a:p>
@@ -5773,7 +6622,7 @@
           <a:p>
             <a:fld id="{3B351D7E-175D-4A1E-A67B-A4CE8EE9DF38}" type="datetimeFigureOut">
               <a:rPr lang="en-US" smtClean="0"/>
-              <a:t>2/5/2020</a:t>
+              <a:t>10/15/2020</a:t>
             </a:fld>
             <a:endParaRPr lang="en-US"/>
           </a:p>
@@ -6372,6 +7221,818 @@
 </file>
 
 <file path=ppt/slides/slide10.xml><?xml version="1.0" encoding="utf-8"?>
+<p:sld xmlns:a="http://schemas.openxmlformats.org/drawingml/2006/main" xmlns:r="http://schemas.openxmlformats.org/officeDocument/2006/relationships" xmlns:p="http://schemas.openxmlformats.org/presentationml/2006/main">
+  <p:cSld>
+    <p:bg>
+      <p:bgPr>
+        <a:solidFill>
+          <a:schemeClr val="bg2"/>
+        </a:solidFill>
+        <a:effectLst/>
+      </p:bgPr>
+    </p:bg>
+    <p:spTree>
+      <p:nvGrpSpPr>
+        <p:cNvPr id="1" name=""/>
+        <p:cNvGrpSpPr/>
+        <p:nvPr/>
+      </p:nvGrpSpPr>
+      <p:grpSpPr>
+        <a:xfrm>
+          <a:off x="0" y="0"/>
+          <a:ext cx="0" cy="0"/>
+          <a:chOff x="0" y="0"/>
+          <a:chExt cx="0" cy="0"/>
+        </a:xfrm>
+      </p:grpSpPr>
+      <p:grpSp>
+        <p:nvGrpSpPr>
+          <p:cNvPr id="10" name="Group 9">
+            <a:extLst>
+              <a:ext uri="{FF2B5EF4-FFF2-40B4-BE49-F238E27FC236}">
+                <a16:creationId xmlns:a16="http://schemas.microsoft.com/office/drawing/2014/main" id="{E0BF35CA-8AA0-428F-ABED-5B77A6C39154}"/>
+              </a:ext>
+              <a:ext uri="{C183D7F6-B498-43B3-948B-1728B52AA6E4}">
+                <adec:decorative xmlns:adec="http://schemas.microsoft.com/office/drawing/2017/decorative" val="1"/>
+              </a:ext>
+            </a:extLst>
+          </p:cNvPr>
+          <p:cNvGrpSpPr>
+            <a:grpSpLocks noGrp="1" noUngrp="1" noRot="1" noChangeAspect="1" noMove="1" noResize="1"/>
+          </p:cNvGrpSpPr>
+          <p:nvPr>
+            <p:extLst>
+              <p:ext uri="{386F3935-93C4-4BCD-93E2-E3B085C9AB24}">
+                <p16:designElem xmlns:p16="http://schemas.microsoft.com/office/powerpoint/2015/main" val="1"/>
+              </p:ext>
+            </p:extLst>
+          </p:nvPr>
+        </p:nvGrpSpPr>
+        <p:grpSpPr>
+          <a:xfrm>
+            <a:off x="0" y="-8467"/>
+            <a:ext cx="12192000" cy="6866467"/>
+            <a:chOff x="0" y="-8467"/>
+            <a:chExt cx="12192000" cy="6866467"/>
+          </a:xfrm>
+        </p:grpSpPr>
+        <p:cxnSp>
+          <p:nvCxnSpPr>
+            <p:cNvPr id="11" name="Straight Connector 10">
+              <a:extLst>
+                <a:ext uri="{FF2B5EF4-FFF2-40B4-BE49-F238E27FC236}">
+                  <a16:creationId xmlns:a16="http://schemas.microsoft.com/office/drawing/2014/main" id="{FA4A156A-791B-4BD9-8452-A798A15D22C1}"/>
+                </a:ext>
+                <a:ext uri="{C183D7F6-B498-43B3-948B-1728B52AA6E4}">
+                  <adec:decorative xmlns:adec="http://schemas.microsoft.com/office/drawing/2017/decorative" val="1"/>
+                </a:ext>
+              </a:extLst>
+            </p:cNvPr>
+            <p:cNvCxnSpPr/>
+            <p:nvPr>
+              <p:extLst>
+                <p:ext uri="{386F3935-93C4-4BCD-93E2-E3B085C9AB24}">
+                  <p16:designElem xmlns:p16="http://schemas.microsoft.com/office/powerpoint/2015/main" val="1"/>
+                </p:ext>
+              </p:extLst>
+            </p:nvPr>
+          </p:nvCxnSpPr>
+          <p:spPr>
+            <a:xfrm>
+              <a:off x="9371012" y="0"/>
+              <a:ext cx="1219200" cy="6858000"/>
+            </a:xfrm>
+            <a:prstGeom prst="line">
+              <a:avLst/>
+            </a:prstGeom>
+            <a:ln w="9525">
+              <a:solidFill>
+                <a:schemeClr val="bg1">
+                  <a:lumMod val="85000"/>
+                  <a:lumOff val="15000"/>
+                </a:schemeClr>
+              </a:solidFill>
+            </a:ln>
+          </p:spPr>
+          <p:style>
+            <a:lnRef idx="2">
+              <a:schemeClr val="accent1"/>
+            </a:lnRef>
+            <a:fillRef idx="0">
+              <a:schemeClr val="accent1"/>
+            </a:fillRef>
+            <a:effectRef idx="1">
+              <a:schemeClr val="accent1"/>
+            </a:effectRef>
+            <a:fontRef idx="minor">
+              <a:schemeClr val="tx1"/>
+            </a:fontRef>
+          </p:style>
+        </p:cxnSp>
+        <p:cxnSp>
+          <p:nvCxnSpPr>
+            <p:cNvPr id="12" name="Straight Connector 11">
+              <a:extLst>
+                <a:ext uri="{FF2B5EF4-FFF2-40B4-BE49-F238E27FC236}">
+                  <a16:creationId xmlns:a16="http://schemas.microsoft.com/office/drawing/2014/main" id="{27652CB1-59D3-4DAB-AD45-8DFB738958E1}"/>
+                </a:ext>
+                <a:ext uri="{C183D7F6-B498-43B3-948B-1728B52AA6E4}">
+                  <adec:decorative xmlns:adec="http://schemas.microsoft.com/office/drawing/2017/decorative" val="1"/>
+                </a:ext>
+              </a:extLst>
+            </p:cNvPr>
+            <p:cNvCxnSpPr/>
+            <p:nvPr>
+              <p:extLst>
+                <p:ext uri="{386F3935-93C4-4BCD-93E2-E3B085C9AB24}">
+                  <p16:designElem xmlns:p16="http://schemas.microsoft.com/office/powerpoint/2015/main" val="1"/>
+                </p:ext>
+              </p:extLst>
+            </p:nvPr>
+          </p:nvCxnSpPr>
+          <p:spPr>
+            <a:xfrm flipH="1">
+              <a:off x="7425267" y="3681413"/>
+              <a:ext cx="4763558" cy="3176587"/>
+            </a:xfrm>
+            <a:prstGeom prst="line">
+              <a:avLst/>
+            </a:prstGeom>
+            <a:ln w="9525">
+              <a:solidFill>
+                <a:schemeClr val="bg1">
+                  <a:lumMod val="85000"/>
+                  <a:lumOff val="15000"/>
+                </a:schemeClr>
+              </a:solidFill>
+            </a:ln>
+          </p:spPr>
+          <p:style>
+            <a:lnRef idx="2">
+              <a:schemeClr val="accent1"/>
+            </a:lnRef>
+            <a:fillRef idx="0">
+              <a:schemeClr val="accent1"/>
+            </a:fillRef>
+            <a:effectRef idx="1">
+              <a:schemeClr val="accent1"/>
+            </a:effectRef>
+            <a:fontRef idx="minor">
+              <a:schemeClr val="tx1"/>
+            </a:fontRef>
+          </p:style>
+        </p:cxnSp>
+        <p:sp>
+          <p:nvSpPr>
+            <p:cNvPr id="13" name="Rectangle 23">
+              <a:extLst>
+                <a:ext uri="{FF2B5EF4-FFF2-40B4-BE49-F238E27FC236}">
+                  <a16:creationId xmlns:a16="http://schemas.microsoft.com/office/drawing/2014/main" id="{83539C1B-883E-4130-95FA-2A6FD3E49A6A}"/>
+                </a:ext>
+                <a:ext uri="{C183D7F6-B498-43B3-948B-1728B52AA6E4}">
+                  <adec:decorative xmlns:adec="http://schemas.microsoft.com/office/drawing/2017/decorative" val="1"/>
+                </a:ext>
+              </a:extLst>
+            </p:cNvPr>
+            <p:cNvSpPr/>
+            <p:nvPr>
+              <p:extLst>
+                <p:ext uri="{386F3935-93C4-4BCD-93E2-E3B085C9AB24}">
+                  <p16:designElem xmlns:p16="http://schemas.microsoft.com/office/powerpoint/2015/main" val="1"/>
+                </p:ext>
+              </p:extLst>
+            </p:nvPr>
+          </p:nvSpPr>
+          <p:spPr>
+            <a:xfrm>
+              <a:off x="9181476" y="-8467"/>
+              <a:ext cx="3007349" cy="6866467"/>
+            </a:xfrm>
+            <a:custGeom>
+              <a:avLst/>
+              <a:gdLst/>
+              <a:ahLst/>
+              <a:cxnLst/>
+              <a:rect l="l" t="t" r="r" b="b"/>
+              <a:pathLst>
+                <a:path w="3007349" h="6866467">
+                  <a:moveTo>
+                    <a:pt x="2045532" y="0"/>
+                  </a:moveTo>
+                  <a:lnTo>
+                    <a:pt x="3007349" y="0"/>
+                  </a:lnTo>
+                  <a:lnTo>
+                    <a:pt x="3007349" y="6866467"/>
+                  </a:lnTo>
+                  <a:lnTo>
+                    <a:pt x="0" y="6866467"/>
+                  </a:lnTo>
+                  <a:lnTo>
+                    <a:pt x="2045532" y="0"/>
+                  </a:lnTo>
+                  <a:close/>
+                </a:path>
+              </a:pathLst>
+            </a:custGeom>
+            <a:solidFill>
+              <a:schemeClr val="accent1">
+                <a:alpha val="30000"/>
+              </a:schemeClr>
+            </a:solidFill>
+            <a:ln>
+              <a:noFill/>
+            </a:ln>
+            <a:effectLst/>
+          </p:spPr>
+          <p:style>
+            <a:lnRef idx="1">
+              <a:schemeClr val="accent1"/>
+            </a:lnRef>
+            <a:fillRef idx="3">
+              <a:schemeClr val="accent1"/>
+            </a:fillRef>
+            <a:effectRef idx="2">
+              <a:schemeClr val="accent1"/>
+            </a:effectRef>
+            <a:fontRef idx="minor">
+              <a:schemeClr val="lt1"/>
+            </a:fontRef>
+          </p:style>
+        </p:sp>
+        <p:sp>
+          <p:nvSpPr>
+            <p:cNvPr id="14" name="Rectangle 25">
+              <a:extLst>
+                <a:ext uri="{FF2B5EF4-FFF2-40B4-BE49-F238E27FC236}">
+                  <a16:creationId xmlns:a16="http://schemas.microsoft.com/office/drawing/2014/main" id="{244CEE5F-144C-437F-9472-22EE3E3D1C9A}"/>
+                </a:ext>
+                <a:ext uri="{C183D7F6-B498-43B3-948B-1728B52AA6E4}">
+                  <adec:decorative xmlns:adec="http://schemas.microsoft.com/office/drawing/2017/decorative" val="1"/>
+                </a:ext>
+              </a:extLst>
+            </p:cNvPr>
+            <p:cNvSpPr/>
+            <p:nvPr>
+              <p:extLst>
+                <p:ext uri="{386F3935-93C4-4BCD-93E2-E3B085C9AB24}">
+                  <p16:designElem xmlns:p16="http://schemas.microsoft.com/office/powerpoint/2015/main" val="1"/>
+                </p:ext>
+              </p:extLst>
+            </p:nvPr>
+          </p:nvSpPr>
+          <p:spPr>
+            <a:xfrm>
+              <a:off x="9603442" y="-8467"/>
+              <a:ext cx="2588558" cy="6866467"/>
+            </a:xfrm>
+            <a:custGeom>
+              <a:avLst/>
+              <a:gdLst/>
+              <a:ahLst/>
+              <a:cxnLst/>
+              <a:rect l="l" t="t" r="r" b="b"/>
+              <a:pathLst>
+                <a:path w="2573311" h="6866467">
+                  <a:moveTo>
+                    <a:pt x="0" y="0"/>
+                  </a:moveTo>
+                  <a:lnTo>
+                    <a:pt x="2573311" y="0"/>
+                  </a:lnTo>
+                  <a:lnTo>
+                    <a:pt x="2573311" y="6866467"/>
+                  </a:lnTo>
+                  <a:lnTo>
+                    <a:pt x="1202336" y="6866467"/>
+                  </a:lnTo>
+                  <a:lnTo>
+                    <a:pt x="0" y="0"/>
+                  </a:lnTo>
+                  <a:close/>
+                </a:path>
+              </a:pathLst>
+            </a:custGeom>
+            <a:solidFill>
+              <a:schemeClr val="accent1">
+                <a:alpha val="20000"/>
+              </a:schemeClr>
+            </a:solidFill>
+            <a:ln>
+              <a:noFill/>
+            </a:ln>
+            <a:effectLst/>
+          </p:spPr>
+          <p:style>
+            <a:lnRef idx="1">
+              <a:schemeClr val="accent1"/>
+            </a:lnRef>
+            <a:fillRef idx="3">
+              <a:schemeClr val="accent1"/>
+            </a:fillRef>
+            <a:effectRef idx="2">
+              <a:schemeClr val="accent1"/>
+            </a:effectRef>
+            <a:fontRef idx="minor">
+              <a:schemeClr val="lt1"/>
+            </a:fontRef>
+          </p:style>
+        </p:sp>
+        <p:sp>
+          <p:nvSpPr>
+            <p:cNvPr id="15" name="Isosceles Triangle 14">
+              <a:extLst>
+                <a:ext uri="{FF2B5EF4-FFF2-40B4-BE49-F238E27FC236}">
+                  <a16:creationId xmlns:a16="http://schemas.microsoft.com/office/drawing/2014/main" id="{0621BB31-AA71-4E9B-8854-3C62F162FE19}"/>
+                </a:ext>
+                <a:ext uri="{C183D7F6-B498-43B3-948B-1728B52AA6E4}">
+                  <adec:decorative xmlns:adec="http://schemas.microsoft.com/office/drawing/2017/decorative" val="1"/>
+                </a:ext>
+              </a:extLst>
+            </p:cNvPr>
+            <p:cNvSpPr/>
+            <p:nvPr>
+              <p:extLst>
+                <p:ext uri="{386F3935-93C4-4BCD-93E2-E3B085C9AB24}">
+                  <p16:designElem xmlns:p16="http://schemas.microsoft.com/office/powerpoint/2015/main" val="1"/>
+                </p:ext>
+              </p:extLst>
+            </p:nvPr>
+          </p:nvSpPr>
+          <p:spPr>
+            <a:xfrm>
+              <a:off x="8932333" y="3048000"/>
+              <a:ext cx="3259667" cy="3810000"/>
+            </a:xfrm>
+            <a:prstGeom prst="triangle">
+              <a:avLst>
+                <a:gd name="adj" fmla="val 100000"/>
+              </a:avLst>
+            </a:prstGeom>
+            <a:solidFill>
+              <a:schemeClr val="accent2">
+                <a:alpha val="72000"/>
+              </a:schemeClr>
+            </a:solidFill>
+            <a:ln>
+              <a:noFill/>
+            </a:ln>
+            <a:effectLst/>
+          </p:spPr>
+          <p:style>
+            <a:lnRef idx="1">
+              <a:schemeClr val="accent1"/>
+            </a:lnRef>
+            <a:fillRef idx="3">
+              <a:schemeClr val="accent1"/>
+            </a:fillRef>
+            <a:effectRef idx="2">
+              <a:schemeClr val="accent1"/>
+            </a:effectRef>
+            <a:fontRef idx="minor">
+              <a:schemeClr val="lt1"/>
+            </a:fontRef>
+          </p:style>
+        </p:sp>
+        <p:sp>
+          <p:nvSpPr>
+            <p:cNvPr id="16" name="Rectangle 27">
+              <a:extLst>
+                <a:ext uri="{FF2B5EF4-FFF2-40B4-BE49-F238E27FC236}">
+                  <a16:creationId xmlns:a16="http://schemas.microsoft.com/office/drawing/2014/main" id="{5336141D-E3C6-4E7B-8923-B31C3E16F017}"/>
+                </a:ext>
+                <a:ext uri="{C183D7F6-B498-43B3-948B-1728B52AA6E4}">
+                  <adec:decorative xmlns:adec="http://schemas.microsoft.com/office/drawing/2017/decorative" val="1"/>
+                </a:ext>
+              </a:extLst>
+            </p:cNvPr>
+            <p:cNvSpPr/>
+            <p:nvPr>
+              <p:extLst>
+                <p:ext uri="{386F3935-93C4-4BCD-93E2-E3B085C9AB24}">
+                  <p16:designElem xmlns:p16="http://schemas.microsoft.com/office/powerpoint/2015/main" val="1"/>
+                </p:ext>
+              </p:extLst>
+            </p:nvPr>
+          </p:nvSpPr>
+          <p:spPr>
+            <a:xfrm>
+              <a:off x="9334500" y="-8467"/>
+              <a:ext cx="2854326" cy="6866467"/>
+            </a:xfrm>
+            <a:custGeom>
+              <a:avLst/>
+              <a:gdLst/>
+              <a:ahLst/>
+              <a:cxnLst/>
+              <a:rect l="l" t="t" r="r" b="b"/>
+              <a:pathLst>
+                <a:path w="2858013" h="6866467">
+                  <a:moveTo>
+                    <a:pt x="0" y="0"/>
+                  </a:moveTo>
+                  <a:lnTo>
+                    <a:pt x="2858013" y="0"/>
+                  </a:lnTo>
+                  <a:lnTo>
+                    <a:pt x="2858013" y="6866467"/>
+                  </a:lnTo>
+                  <a:lnTo>
+                    <a:pt x="2473942" y="6866467"/>
+                  </a:lnTo>
+                  <a:lnTo>
+                    <a:pt x="0" y="0"/>
+                  </a:lnTo>
+                  <a:close/>
+                </a:path>
+              </a:pathLst>
+            </a:custGeom>
+            <a:solidFill>
+              <a:schemeClr val="accent2">
+                <a:lumMod val="75000"/>
+                <a:alpha val="70000"/>
+              </a:schemeClr>
+            </a:solidFill>
+            <a:ln>
+              <a:noFill/>
+            </a:ln>
+            <a:effectLst/>
+          </p:spPr>
+          <p:style>
+            <a:lnRef idx="1">
+              <a:schemeClr val="accent1"/>
+            </a:lnRef>
+            <a:fillRef idx="3">
+              <a:schemeClr val="accent1"/>
+            </a:fillRef>
+            <a:effectRef idx="2">
+              <a:schemeClr val="accent1"/>
+            </a:effectRef>
+            <a:fontRef idx="minor">
+              <a:schemeClr val="lt1"/>
+            </a:fontRef>
+          </p:style>
+        </p:sp>
+        <p:sp>
+          <p:nvSpPr>
+            <p:cNvPr id="17" name="Rectangle 28">
+              <a:extLst>
+                <a:ext uri="{FF2B5EF4-FFF2-40B4-BE49-F238E27FC236}">
+                  <a16:creationId xmlns:a16="http://schemas.microsoft.com/office/drawing/2014/main" id="{F113BE6F-9D13-4E70-B7AB-C8CC2546ADB7}"/>
+                </a:ext>
+                <a:ext uri="{C183D7F6-B498-43B3-948B-1728B52AA6E4}">
+                  <adec:decorative xmlns:adec="http://schemas.microsoft.com/office/drawing/2017/decorative" val="1"/>
+                </a:ext>
+              </a:extLst>
+            </p:cNvPr>
+            <p:cNvSpPr/>
+            <p:nvPr>
+              <p:extLst>
+                <p:ext uri="{386F3935-93C4-4BCD-93E2-E3B085C9AB24}">
+                  <p16:designElem xmlns:p16="http://schemas.microsoft.com/office/powerpoint/2015/main" val="1"/>
+                </p:ext>
+              </p:extLst>
+            </p:nvPr>
+          </p:nvSpPr>
+          <p:spPr>
+            <a:xfrm>
+              <a:off x="10898730" y="-8467"/>
+              <a:ext cx="1290094" cy="6866467"/>
+            </a:xfrm>
+            <a:custGeom>
+              <a:avLst/>
+              <a:gdLst/>
+              <a:ahLst/>
+              <a:cxnLst/>
+              <a:rect l="l" t="t" r="r" b="b"/>
+              <a:pathLst>
+                <a:path w="1290094" h="6858000">
+                  <a:moveTo>
+                    <a:pt x="1019735" y="0"/>
+                  </a:moveTo>
+                  <a:lnTo>
+                    <a:pt x="1290094" y="0"/>
+                  </a:lnTo>
+                  <a:lnTo>
+                    <a:pt x="1290094" y="6858000"/>
+                  </a:lnTo>
+                  <a:lnTo>
+                    <a:pt x="0" y="6858000"/>
+                  </a:lnTo>
+                  <a:lnTo>
+                    <a:pt x="1019735" y="0"/>
+                  </a:lnTo>
+                  <a:close/>
+                </a:path>
+              </a:pathLst>
+            </a:custGeom>
+            <a:solidFill>
+              <a:schemeClr val="accent1">
+                <a:lumMod val="60000"/>
+                <a:lumOff val="40000"/>
+                <a:alpha val="70000"/>
+              </a:schemeClr>
+            </a:solidFill>
+            <a:ln>
+              <a:noFill/>
+            </a:ln>
+            <a:effectLst/>
+          </p:spPr>
+          <p:style>
+            <a:lnRef idx="1">
+              <a:schemeClr val="accent1"/>
+            </a:lnRef>
+            <a:fillRef idx="3">
+              <a:schemeClr val="accent1"/>
+            </a:fillRef>
+            <a:effectRef idx="2">
+              <a:schemeClr val="accent1"/>
+            </a:effectRef>
+            <a:fontRef idx="minor">
+              <a:schemeClr val="lt1"/>
+            </a:fontRef>
+          </p:style>
+        </p:sp>
+        <p:sp>
+          <p:nvSpPr>
+            <p:cNvPr id="18" name="Rectangle 29">
+              <a:extLst>
+                <a:ext uri="{FF2B5EF4-FFF2-40B4-BE49-F238E27FC236}">
+                  <a16:creationId xmlns:a16="http://schemas.microsoft.com/office/drawing/2014/main" id="{FBEB82C3-C636-4A90-B9A5-905EC38E01B3}"/>
+                </a:ext>
+                <a:ext uri="{C183D7F6-B498-43B3-948B-1728B52AA6E4}">
+                  <adec:decorative xmlns:adec="http://schemas.microsoft.com/office/drawing/2017/decorative" val="1"/>
+                </a:ext>
+              </a:extLst>
+            </p:cNvPr>
+            <p:cNvSpPr/>
+            <p:nvPr>
+              <p:extLst>
+                <p:ext uri="{386F3935-93C4-4BCD-93E2-E3B085C9AB24}">
+                  <p16:designElem xmlns:p16="http://schemas.microsoft.com/office/powerpoint/2015/main" val="1"/>
+                </p:ext>
+              </p:extLst>
+            </p:nvPr>
+          </p:nvSpPr>
+          <p:spPr>
+            <a:xfrm>
+              <a:off x="10938999" y="-8467"/>
+              <a:ext cx="1249825" cy="6866467"/>
+            </a:xfrm>
+            <a:custGeom>
+              <a:avLst/>
+              <a:gdLst/>
+              <a:ahLst/>
+              <a:cxnLst/>
+              <a:rect l="l" t="t" r="r" b="b"/>
+              <a:pathLst>
+                <a:path w="1249825" h="6858000">
+                  <a:moveTo>
+                    <a:pt x="0" y="0"/>
+                  </a:moveTo>
+                  <a:lnTo>
+                    <a:pt x="1249825" y="0"/>
+                  </a:lnTo>
+                  <a:lnTo>
+                    <a:pt x="1249825" y="6858000"/>
+                  </a:lnTo>
+                  <a:lnTo>
+                    <a:pt x="1109382" y="6858000"/>
+                  </a:lnTo>
+                  <a:lnTo>
+                    <a:pt x="0" y="0"/>
+                  </a:lnTo>
+                  <a:close/>
+                </a:path>
+              </a:pathLst>
+            </a:custGeom>
+            <a:solidFill>
+              <a:schemeClr val="accent1">
+                <a:alpha val="65000"/>
+              </a:schemeClr>
+            </a:solidFill>
+            <a:ln>
+              <a:noFill/>
+            </a:ln>
+            <a:effectLst/>
+          </p:spPr>
+          <p:style>
+            <a:lnRef idx="1">
+              <a:schemeClr val="accent1"/>
+            </a:lnRef>
+            <a:fillRef idx="3">
+              <a:schemeClr val="accent1"/>
+            </a:fillRef>
+            <a:effectRef idx="2">
+              <a:schemeClr val="accent1"/>
+            </a:effectRef>
+            <a:fontRef idx="minor">
+              <a:schemeClr val="lt1"/>
+            </a:fontRef>
+          </p:style>
+        </p:sp>
+        <p:sp>
+          <p:nvSpPr>
+            <p:cNvPr id="19" name="Isosceles Triangle 18">
+              <a:extLst>
+                <a:ext uri="{FF2B5EF4-FFF2-40B4-BE49-F238E27FC236}">
+                  <a16:creationId xmlns:a16="http://schemas.microsoft.com/office/drawing/2014/main" id="{646B4C4A-5A81-43CF-93ED-5FA59D5BE763}"/>
+                </a:ext>
+                <a:ext uri="{C183D7F6-B498-43B3-948B-1728B52AA6E4}">
+                  <adec:decorative xmlns:adec="http://schemas.microsoft.com/office/drawing/2017/decorative" val="1"/>
+                </a:ext>
+              </a:extLst>
+            </p:cNvPr>
+            <p:cNvSpPr/>
+            <p:nvPr>
+              <p:extLst>
+                <p:ext uri="{386F3935-93C4-4BCD-93E2-E3B085C9AB24}">
+                  <p16:designElem xmlns:p16="http://schemas.microsoft.com/office/powerpoint/2015/main" val="1"/>
+                </p:ext>
+              </p:extLst>
+            </p:nvPr>
+          </p:nvSpPr>
+          <p:spPr>
+            <a:xfrm>
+              <a:off x="10371666" y="3589867"/>
+              <a:ext cx="1817159" cy="3268133"/>
+            </a:xfrm>
+            <a:prstGeom prst="triangle">
+              <a:avLst>
+                <a:gd name="adj" fmla="val 100000"/>
+              </a:avLst>
+            </a:prstGeom>
+            <a:solidFill>
+              <a:schemeClr val="accent1">
+                <a:alpha val="80000"/>
+              </a:schemeClr>
+            </a:solidFill>
+            <a:ln>
+              <a:noFill/>
+            </a:ln>
+            <a:effectLst/>
+          </p:spPr>
+          <p:style>
+            <a:lnRef idx="1">
+              <a:schemeClr val="accent1"/>
+            </a:lnRef>
+            <a:fillRef idx="3">
+              <a:schemeClr val="accent1"/>
+            </a:fillRef>
+            <a:effectRef idx="2">
+              <a:schemeClr val="accent1"/>
+            </a:effectRef>
+            <a:fontRef idx="minor">
+              <a:schemeClr val="lt1"/>
+            </a:fontRef>
+          </p:style>
+        </p:sp>
+        <p:sp>
+          <p:nvSpPr>
+            <p:cNvPr id="20" name="Isosceles Triangle 19">
+              <a:extLst>
+                <a:ext uri="{FF2B5EF4-FFF2-40B4-BE49-F238E27FC236}">
+                  <a16:creationId xmlns:a16="http://schemas.microsoft.com/office/drawing/2014/main" id="{C3715C1A-EBA1-41A6-AC20-D6A7C48717B4}"/>
+                </a:ext>
+                <a:ext uri="{C183D7F6-B498-43B3-948B-1728B52AA6E4}">
+                  <adec:decorative xmlns:adec="http://schemas.microsoft.com/office/drawing/2017/decorative" val="1"/>
+                </a:ext>
+              </a:extLst>
+            </p:cNvPr>
+            <p:cNvSpPr/>
+            <p:nvPr>
+              <p:extLst>
+                <p:ext uri="{386F3935-93C4-4BCD-93E2-E3B085C9AB24}">
+                  <p16:designElem xmlns:p16="http://schemas.microsoft.com/office/powerpoint/2015/main" val="1"/>
+                </p:ext>
+              </p:extLst>
+            </p:nvPr>
+          </p:nvSpPr>
+          <p:spPr>
+            <a:xfrm rot="10800000">
+              <a:off x="0" y="0"/>
+              <a:ext cx="842596" cy="5666154"/>
+            </a:xfrm>
+            <a:prstGeom prst="triangle">
+              <a:avLst>
+                <a:gd name="adj" fmla="val 100000"/>
+              </a:avLst>
+            </a:prstGeom>
+            <a:solidFill>
+              <a:schemeClr val="accent1">
+                <a:alpha val="85000"/>
+              </a:schemeClr>
+            </a:solidFill>
+            <a:ln>
+              <a:noFill/>
+            </a:ln>
+            <a:effectLst/>
+          </p:spPr>
+          <p:style>
+            <a:lnRef idx="1">
+              <a:schemeClr val="accent1"/>
+            </a:lnRef>
+            <a:fillRef idx="3">
+              <a:schemeClr val="accent1"/>
+            </a:fillRef>
+            <a:effectRef idx="2">
+              <a:schemeClr val="accent1"/>
+            </a:effectRef>
+            <a:fontRef idx="minor">
+              <a:schemeClr val="lt1"/>
+            </a:fontRef>
+          </p:style>
+        </p:sp>
+      </p:grpSp>
+      <p:sp>
+        <p:nvSpPr>
+          <p:cNvPr id="2" name="Title 1">
+            <a:extLst>
+              <a:ext uri="{FF2B5EF4-FFF2-40B4-BE49-F238E27FC236}">
+                <a16:creationId xmlns:a16="http://schemas.microsoft.com/office/drawing/2014/main" id="{F53ED65C-8BEF-4EDF-B3AE-BC7BEBE5B48D}"/>
+              </a:ext>
+            </a:extLst>
+          </p:cNvPr>
+          <p:cNvSpPr>
+            <a:spLocks noGrp="1"/>
+          </p:cNvSpPr>
+          <p:nvPr>
+            <p:ph type="title"/>
+          </p:nvPr>
+        </p:nvSpPr>
+        <p:spPr>
+          <a:xfrm>
+            <a:off x="1507067" y="1578133"/>
+            <a:ext cx="4335468" cy="2875534"/>
+          </a:xfrm>
+        </p:spPr>
+        <p:txBody>
+          <a:bodyPr vert="horz" lIns="91440" tIns="45720" rIns="91440" bIns="45720" rtlCol="0" anchor="b">
+            <a:normAutofit/>
+          </a:bodyPr>
+          <a:lstStyle/>
+          <a:p>
+            <a:pPr algn="r"/>
+            <a:r>
+              <a:rPr lang="en-US" sz="5400"/>
+              <a:t>Project Architecture</a:t>
+            </a:r>
+          </a:p>
+        </p:txBody>
+      </p:sp>
+      <p:pic>
+        <p:nvPicPr>
+          <p:cNvPr id="7" name="Graphic 6" descr="Hierarchy">
+            <a:extLst>
+              <a:ext uri="{FF2B5EF4-FFF2-40B4-BE49-F238E27FC236}">
+                <a16:creationId xmlns:a16="http://schemas.microsoft.com/office/drawing/2014/main" id="{D1345866-76AE-49B9-841F-7F00A11E787A}"/>
+              </a:ext>
+            </a:extLst>
+          </p:cNvPr>
+          <p:cNvPicPr>
+            <a:picLocks noChangeAspect="1"/>
+          </p:cNvPicPr>
+          <p:nvPr/>
+        </p:nvPicPr>
+        <p:blipFill>
+          <a:blip r:embed="rId2">
+            <a:extLst>
+              <a:ext uri="{28A0092B-C50C-407E-A947-70E740481C1C}">
+                <a14:useLocalDpi xmlns:a14="http://schemas.microsoft.com/office/drawing/2010/main" val="0"/>
+              </a:ext>
+              <a:ext uri="{96DAC541-7B7A-43D3-8B79-37D633B846F1}">
+                <asvg:svgBlip xmlns:asvg="http://schemas.microsoft.com/office/drawing/2016/SVG/main" r:embed="rId3"/>
+              </a:ext>
+            </a:extLst>
+          </a:blip>
+          <a:stretch>
+            <a:fillRect/>
+          </a:stretch>
+        </p:blipFill>
+        <p:spPr>
+          <a:xfrm>
+            <a:off x="6095998" y="1924043"/>
+            <a:ext cx="3280613" cy="3280613"/>
+          </a:xfrm>
+          <a:prstGeom prst="rect">
+            <a:avLst/>
+          </a:prstGeom>
+        </p:spPr>
+      </p:pic>
+    </p:spTree>
+    <p:extLst>
+      <p:ext uri="{BB962C8B-B14F-4D97-AF65-F5344CB8AC3E}">
+        <p14:creationId xmlns:p14="http://schemas.microsoft.com/office/powerpoint/2010/main" val="2178492331"/>
+      </p:ext>
+    </p:extLst>
+  </p:cSld>
+  <p:clrMapOvr>
+    <a:masterClrMapping/>
+  </p:clrMapOvr>
+</p:sld>
+</file>
+
+<file path=ppt/slides/slide11.xml><?xml version="1.0" encoding="utf-8"?>
 <p:sld xmlns:a="http://schemas.openxmlformats.org/drawingml/2006/main" xmlns:r="http://schemas.openxmlformats.org/officeDocument/2006/relationships" xmlns:p="http://schemas.openxmlformats.org/presentationml/2006/main">
   <p:cSld>
     <p:bg>
@@ -7936,7 +9597,7 @@
 </p:sld>
 </file>
 
-<file path=ppt/slides/slide11.xml><?xml version="1.0" encoding="utf-8"?>
+<file path=ppt/slides/slide12.xml><?xml version="1.0" encoding="utf-8"?>
 <p:sld xmlns:a="http://schemas.openxmlformats.org/drawingml/2006/main" xmlns:r="http://schemas.openxmlformats.org/officeDocument/2006/relationships" xmlns:p="http://schemas.openxmlformats.org/presentationml/2006/main">
   <p:cSld>
     <p:bg>
@@ -8748,7 +10409,7 @@
 </p:sld>
 </file>
 
-<file path=ppt/slides/slide12.xml><?xml version="1.0" encoding="utf-8"?>
+<file path=ppt/slides/slide13.xml><?xml version="1.0" encoding="utf-8"?>
 <p:sld xmlns:a="http://schemas.openxmlformats.org/drawingml/2006/main" xmlns:r="http://schemas.openxmlformats.org/officeDocument/2006/relationships" xmlns:p="http://schemas.openxmlformats.org/presentationml/2006/main">
   <p:cSld>
     <p:bg>
@@ -11567,6 +13228,89 @@
 <file path=ppt/slides/slide4.xml><?xml version="1.0" encoding="utf-8"?>
 <p:sld xmlns:a="http://schemas.openxmlformats.org/drawingml/2006/main" xmlns:r="http://schemas.openxmlformats.org/officeDocument/2006/relationships" xmlns:p="http://schemas.openxmlformats.org/presentationml/2006/main">
   <p:cSld>
+    <p:spTree>
+      <p:nvGrpSpPr>
+        <p:cNvPr id="1" name=""/>
+        <p:cNvGrpSpPr/>
+        <p:nvPr/>
+      </p:nvGrpSpPr>
+      <p:grpSpPr>
+        <a:xfrm>
+          <a:off x="0" y="0"/>
+          <a:ext cx="0" cy="0"/>
+          <a:chOff x="0" y="0"/>
+          <a:chExt cx="0" cy="0"/>
+        </a:xfrm>
+      </p:grpSpPr>
+      <p:sp>
+        <p:nvSpPr>
+          <p:cNvPr id="2" name="Title 1">
+            <a:extLst>
+              <a:ext uri="{FF2B5EF4-FFF2-40B4-BE49-F238E27FC236}">
+                <a16:creationId xmlns:a16="http://schemas.microsoft.com/office/drawing/2014/main" id="{31F40ADA-5A94-4387-897F-B970579E480E}"/>
+              </a:ext>
+            </a:extLst>
+          </p:cNvPr>
+          <p:cNvSpPr>
+            <a:spLocks noGrp="1"/>
+          </p:cNvSpPr>
+          <p:nvPr>
+            <p:ph type="ctrTitle"/>
+          </p:nvPr>
+        </p:nvSpPr>
+        <p:spPr/>
+        <p:txBody>
+          <a:bodyPr/>
+          <a:lstStyle/>
+          <a:p>
+            <a:r>
+              <a:rPr lang="en-US" dirty="0"/>
+              <a:t>Application Screens</a:t>
+            </a:r>
+          </a:p>
+        </p:txBody>
+      </p:sp>
+      <p:sp>
+        <p:nvSpPr>
+          <p:cNvPr id="3" name="Subtitle 2">
+            <a:extLst>
+              <a:ext uri="{FF2B5EF4-FFF2-40B4-BE49-F238E27FC236}">
+                <a16:creationId xmlns:a16="http://schemas.microsoft.com/office/drawing/2014/main" id="{7DDF970C-89EF-4DA6-8319-EFF395902EF7}"/>
+              </a:ext>
+            </a:extLst>
+          </p:cNvPr>
+          <p:cNvSpPr>
+            <a:spLocks noGrp="1"/>
+          </p:cNvSpPr>
+          <p:nvPr>
+            <p:ph type="subTitle" idx="1"/>
+          </p:nvPr>
+        </p:nvSpPr>
+        <p:spPr/>
+        <p:txBody>
+          <a:bodyPr/>
+          <a:lstStyle/>
+          <a:p>
+            <a:endParaRPr lang="en-US"/>
+          </a:p>
+        </p:txBody>
+      </p:sp>
+    </p:spTree>
+    <p:extLst>
+      <p:ext uri="{BB962C8B-B14F-4D97-AF65-F5344CB8AC3E}">
+        <p14:creationId xmlns:p14="http://schemas.microsoft.com/office/powerpoint/2010/main" val="3343189051"/>
+      </p:ext>
+    </p:extLst>
+  </p:cSld>
+  <p:clrMapOvr>
+    <a:masterClrMapping/>
+  </p:clrMapOvr>
+</p:sld>
+</file>
+
+<file path=ppt/slides/slide5.xml><?xml version="1.0" encoding="utf-8"?>
+<p:sld xmlns:a="http://schemas.openxmlformats.org/drawingml/2006/main" xmlns:r="http://schemas.openxmlformats.org/officeDocument/2006/relationships" xmlns:p="http://schemas.openxmlformats.org/presentationml/2006/main">
+  <p:cSld>
     <p:bg>
       <p:bgPr>
         <a:solidFill>
@@ -11591,10 +13335,10 @@
       </p:grpSpPr>
       <p:grpSp>
         <p:nvGrpSpPr>
-          <p:cNvPr id="10" name="Group 9">
+          <p:cNvPr id="9" name="Group 8">
             <a:extLst>
               <a:ext uri="{FF2B5EF4-FFF2-40B4-BE49-F238E27FC236}">
-                <a16:creationId xmlns:a16="http://schemas.microsoft.com/office/drawing/2014/main" id="{5F054EF5-EFE6-45A2-834C-0F0931F39F1E}"/>
+                <a16:creationId xmlns:a16="http://schemas.microsoft.com/office/drawing/2014/main" id="{E0BF35CA-8AA0-428F-ABED-5B77A6C39154}"/>
               </a:ext>
               <a:ext uri="{C183D7F6-B498-43B3-948B-1728B52AA6E4}">
                 <adec:decorative xmlns:adec="http://schemas.microsoft.com/office/drawing/2017/decorative" val="1"/>
@@ -11622,10 +13366,10 @@
         </p:grpSpPr>
         <p:cxnSp>
           <p:nvCxnSpPr>
-            <p:cNvPr id="11" name="Straight Connector 10">
+            <p:cNvPr id="10" name="Straight Connector 9">
               <a:extLst>
                 <a:ext uri="{FF2B5EF4-FFF2-40B4-BE49-F238E27FC236}">
-                  <a16:creationId xmlns:a16="http://schemas.microsoft.com/office/drawing/2014/main" id="{CFE3C88A-FEDB-4B9C-94EE-5026B326B3EB}"/>
+                  <a16:creationId xmlns:a16="http://schemas.microsoft.com/office/drawing/2014/main" id="{FA4A156A-791B-4BD9-8452-A798A15D22C1}"/>
                 </a:ext>
                 <a:ext uri="{C183D7F6-B498-43B3-948B-1728B52AA6E4}">
                   <adec:decorative xmlns:adec="http://schemas.microsoft.com/office/drawing/2017/decorative" val="1"/>
@@ -11675,10 +13419,10 @@
         </p:cxnSp>
         <p:cxnSp>
           <p:nvCxnSpPr>
-            <p:cNvPr id="12" name="Straight Connector 11">
+            <p:cNvPr id="11" name="Straight Connector 10">
               <a:extLst>
                 <a:ext uri="{FF2B5EF4-FFF2-40B4-BE49-F238E27FC236}">
-                  <a16:creationId xmlns:a16="http://schemas.microsoft.com/office/drawing/2014/main" id="{B5D51D9B-0E7C-44D3-9215-81F9915232E9}"/>
+                  <a16:creationId xmlns:a16="http://schemas.microsoft.com/office/drawing/2014/main" id="{27652CB1-59D3-4DAB-AD45-8DFB738958E1}"/>
                 </a:ext>
                 <a:ext uri="{C183D7F6-B498-43B3-948B-1728B52AA6E4}">
                   <adec:decorative xmlns:adec="http://schemas.microsoft.com/office/drawing/2017/decorative" val="1"/>
@@ -11728,10 +13472,10 @@
         </p:cxnSp>
         <p:sp>
           <p:nvSpPr>
-            <p:cNvPr id="13" name="Rectangle 23">
+            <p:cNvPr id="12" name="Rectangle 23">
               <a:extLst>
                 <a:ext uri="{FF2B5EF4-FFF2-40B4-BE49-F238E27FC236}">
-                  <a16:creationId xmlns:a16="http://schemas.microsoft.com/office/drawing/2014/main" id="{16EFB339-1D4E-4824-A20B-AF30D07CF73A}"/>
+                  <a16:creationId xmlns:a16="http://schemas.microsoft.com/office/drawing/2014/main" id="{83539C1B-883E-4130-95FA-2A6FD3E49A6A}"/>
                 </a:ext>
                 <a:ext uri="{C183D7F6-B498-43B3-948B-1728B52AA6E4}">
                   <adec:decorative xmlns:adec="http://schemas.microsoft.com/office/drawing/2017/decorative" val="1"/>
@@ -11806,10 +13550,10 @@
         </p:sp>
         <p:sp>
           <p:nvSpPr>
-            <p:cNvPr id="14" name="Rectangle 25">
+            <p:cNvPr id="13" name="Rectangle 25">
               <a:extLst>
                 <a:ext uri="{FF2B5EF4-FFF2-40B4-BE49-F238E27FC236}">
-                  <a16:creationId xmlns:a16="http://schemas.microsoft.com/office/drawing/2014/main" id="{00030831-8136-4C61-8F00-6F190C5AEBEA}"/>
+                  <a16:creationId xmlns:a16="http://schemas.microsoft.com/office/drawing/2014/main" id="{244CEE5F-144C-437F-9472-22EE3E3D1C9A}"/>
                 </a:ext>
                 <a:ext uri="{C183D7F6-B498-43B3-948B-1728B52AA6E4}">
                   <adec:decorative xmlns:adec="http://schemas.microsoft.com/office/drawing/2017/decorative" val="1"/>
@@ -11884,10 +13628,10 @@
         </p:sp>
         <p:sp>
           <p:nvSpPr>
-            <p:cNvPr id="15" name="Isosceles Triangle 14">
+            <p:cNvPr id="14" name="Isosceles Triangle 13">
               <a:extLst>
                 <a:ext uri="{FF2B5EF4-FFF2-40B4-BE49-F238E27FC236}">
-                  <a16:creationId xmlns:a16="http://schemas.microsoft.com/office/drawing/2014/main" id="{9B14B360-4798-467E-ADE9-756959EC521D}"/>
+                  <a16:creationId xmlns:a16="http://schemas.microsoft.com/office/drawing/2014/main" id="{0621BB31-AA71-4E9B-8854-3C62F162FE19}"/>
                 </a:ext>
                 <a:ext uri="{C183D7F6-B498-43B3-948B-1728B52AA6E4}">
                   <adec:decorative xmlns:adec="http://schemas.microsoft.com/office/drawing/2017/decorative" val="1"/>
@@ -11940,10 +13684,10 @@
         </p:sp>
         <p:sp>
           <p:nvSpPr>
-            <p:cNvPr id="16" name="Rectangle 27">
+            <p:cNvPr id="15" name="Rectangle 27">
               <a:extLst>
                 <a:ext uri="{FF2B5EF4-FFF2-40B4-BE49-F238E27FC236}">
-                  <a16:creationId xmlns:a16="http://schemas.microsoft.com/office/drawing/2014/main" id="{9433F2F7-DA21-430A-A31C-D529D9C6A186}"/>
+                  <a16:creationId xmlns:a16="http://schemas.microsoft.com/office/drawing/2014/main" id="{5336141D-E3C6-4E7B-8923-B31C3E16F017}"/>
                 </a:ext>
                 <a:ext uri="{C183D7F6-B498-43B3-948B-1728B52AA6E4}">
                   <adec:decorative xmlns:adec="http://schemas.microsoft.com/office/drawing/2017/decorative" val="1"/>
@@ -12019,10 +13763,10 @@
         </p:sp>
         <p:sp>
           <p:nvSpPr>
-            <p:cNvPr id="17" name="Rectangle 28">
+            <p:cNvPr id="16" name="Rectangle 28">
               <a:extLst>
                 <a:ext uri="{FF2B5EF4-FFF2-40B4-BE49-F238E27FC236}">
-                  <a16:creationId xmlns:a16="http://schemas.microsoft.com/office/drawing/2014/main" id="{0B24FFF9-F75D-4A88-90F8-D2D7BBB8E89E}"/>
+                  <a16:creationId xmlns:a16="http://schemas.microsoft.com/office/drawing/2014/main" id="{F113BE6F-9D13-4E70-B7AB-C8CC2546ADB7}"/>
                 </a:ext>
                 <a:ext uri="{C183D7F6-B498-43B3-948B-1728B52AA6E4}">
                   <adec:decorative xmlns:adec="http://schemas.microsoft.com/office/drawing/2017/decorative" val="1"/>
@@ -12099,10 +13843,10 @@
         </p:sp>
         <p:sp>
           <p:nvSpPr>
-            <p:cNvPr id="18" name="Rectangle 29">
+            <p:cNvPr id="17" name="Rectangle 29">
               <a:extLst>
                 <a:ext uri="{FF2B5EF4-FFF2-40B4-BE49-F238E27FC236}">
-                  <a16:creationId xmlns:a16="http://schemas.microsoft.com/office/drawing/2014/main" id="{A0A2A2C4-404D-431C-8F9A-227932A42E45}"/>
+                  <a16:creationId xmlns:a16="http://schemas.microsoft.com/office/drawing/2014/main" id="{FBEB82C3-C636-4A90-B9A5-905EC38E01B3}"/>
                 </a:ext>
                 <a:ext uri="{C183D7F6-B498-43B3-948B-1728B52AA6E4}">
                   <adec:decorative xmlns:adec="http://schemas.microsoft.com/office/drawing/2017/decorative" val="1"/>
@@ -12177,10 +13921,10 @@
         </p:sp>
         <p:sp>
           <p:nvSpPr>
-            <p:cNvPr id="19" name="Isosceles Triangle 18">
+            <p:cNvPr id="18" name="Isosceles Triangle 17">
               <a:extLst>
                 <a:ext uri="{FF2B5EF4-FFF2-40B4-BE49-F238E27FC236}">
-                  <a16:creationId xmlns:a16="http://schemas.microsoft.com/office/drawing/2014/main" id="{4661DBE2-1BC5-463F-BBB8-199B890D1C4E}"/>
+                  <a16:creationId xmlns:a16="http://schemas.microsoft.com/office/drawing/2014/main" id="{646B4C4A-5A81-43CF-93ED-5FA59D5BE763}"/>
                 </a:ext>
                 <a:ext uri="{C183D7F6-B498-43B3-948B-1728B52AA6E4}">
                   <adec:decorative xmlns:adec="http://schemas.microsoft.com/office/drawing/2017/decorative" val="1"/>
@@ -12233,10 +13977,10 @@
         </p:sp>
         <p:sp>
           <p:nvSpPr>
-            <p:cNvPr id="20" name="Isosceles Triangle 19">
+            <p:cNvPr id="19" name="Isosceles Triangle 18">
               <a:extLst>
                 <a:ext uri="{FF2B5EF4-FFF2-40B4-BE49-F238E27FC236}">
-                  <a16:creationId xmlns:a16="http://schemas.microsoft.com/office/drawing/2014/main" id="{710A6E70-F0B9-4E3D-9A78-2D2FEE5DF3C5}"/>
+                  <a16:creationId xmlns:a16="http://schemas.microsoft.com/office/drawing/2014/main" id="{C3715C1A-EBA1-41A6-AC20-D6A7C48717B4}"/>
                 </a:ext>
                 <a:ext uri="{C183D7F6-B498-43B3-948B-1728B52AA6E4}">
                   <adec:decorative xmlns:adec="http://schemas.microsoft.com/office/drawing/2017/decorative" val="1"/>
@@ -12253,13 +13997,13 @@
             </p:nvPr>
           </p:nvSpPr>
           <p:spPr>
-            <a:xfrm>
-              <a:off x="0" y="4013200"/>
-              <a:ext cx="448733" cy="2844800"/>
+            <a:xfrm rot="10800000">
+              <a:off x="0" y="0"/>
+              <a:ext cx="842596" cy="5666154"/>
             </a:xfrm>
             <a:prstGeom prst="triangle">
               <a:avLst>
-                <a:gd name="adj" fmla="val 0"/>
+                <a:gd name="adj" fmla="val 100000"/>
               </a:avLst>
             </a:prstGeom>
             <a:solidFill>
@@ -12288,72 +14032,48 @@
           </p:style>
         </p:sp>
       </p:grpSp>
-      <p:sp useBgFill="1">
+      <p:sp>
         <p:nvSpPr>
-          <p:cNvPr id="22" name="Rectangle 21">
+          <p:cNvPr id="2" name="Title 1">
             <a:extLst>
               <a:ext uri="{FF2B5EF4-FFF2-40B4-BE49-F238E27FC236}">
-                <a16:creationId xmlns:a16="http://schemas.microsoft.com/office/drawing/2014/main" id="{39178BE9-53D8-441A-8691-0ED3B464BCD4}"/>
-              </a:ext>
-              <a:ext uri="{C183D7F6-B498-43B3-948B-1728B52AA6E4}">
-                <adec:decorative xmlns:adec="http://schemas.microsoft.com/office/drawing/2017/decorative" val="1"/>
+                <a16:creationId xmlns:a16="http://schemas.microsoft.com/office/drawing/2014/main" id="{17A0403C-95A8-43B3-8ADE-36AF12622B37}"/>
               </a:ext>
             </a:extLst>
           </p:cNvPr>
           <p:cNvSpPr>
-            <a:spLocks noGrp="1" noRot="1" noChangeAspect="1" noMove="1" noResize="1" noEditPoints="1" noAdjustHandles="1" noChangeArrowheads="1" noChangeShapeType="1" noTextEdit="1"/>
+            <a:spLocks noGrp="1"/>
           </p:cNvSpPr>
           <p:nvPr>
-            <p:extLst>
-              <p:ext uri="{386F3935-93C4-4BCD-93E2-E3B085C9AB24}">
-                <p16:designElem xmlns:p16="http://schemas.microsoft.com/office/powerpoint/2015/main" val="1"/>
-              </p:ext>
-            </p:extLst>
+            <p:ph type="title"/>
           </p:nvPr>
         </p:nvSpPr>
         <p:spPr>
           <a:xfrm>
-            <a:off x="0" y="0"/>
-            <a:ext cx="12188952" cy="6858000"/>
+            <a:off x="985969" y="4553712"/>
+            <a:ext cx="8288032" cy="1096316"/>
           </a:xfrm>
-          <a:prstGeom prst="rect">
-            <a:avLst/>
-          </a:prstGeom>
-          <a:ln>
-            <a:noFill/>
-          </a:ln>
         </p:spPr>
-        <p:style>
-          <a:lnRef idx="2">
-            <a:schemeClr val="accent1">
-              <a:shade val="50000"/>
-            </a:schemeClr>
-          </a:lnRef>
-          <a:fillRef idx="1">
-            <a:schemeClr val="accent1"/>
-          </a:fillRef>
-          <a:effectRef idx="0">
-            <a:schemeClr val="accent1"/>
-          </a:effectRef>
-          <a:fontRef idx="minor">
-            <a:schemeClr val="lt1"/>
-          </a:fontRef>
-        </p:style>
         <p:txBody>
-          <a:bodyPr rtlCol="0" anchor="ctr"/>
+          <a:bodyPr vert="horz" lIns="91440" tIns="45720" rIns="91440" bIns="45720" rtlCol="0" anchor="b">
+            <a:normAutofit/>
+          </a:bodyPr>
           <a:lstStyle/>
           <a:p>
             <a:pPr algn="ctr"/>
-            <a:endParaRPr lang="en-US" dirty="0"/>
+            <a:r>
+              <a:rPr lang="en-US" sz="4800"/>
+              <a:t>Main Window Layout</a:t>
+            </a:r>
           </a:p>
         </p:txBody>
       </p:sp>
       <p:pic>
         <p:nvPicPr>
-          <p:cNvPr id="5" name="Content Placeholder 4" descr="A screenshot of a cell phone&#10;&#10;Description automatically generated">
+          <p:cNvPr id="4" name="Content Placeholder 4" descr="A screenshot of a cell phone&#10;&#10;Description automatically generated">
             <a:extLst>
               <a:ext uri="{FF2B5EF4-FFF2-40B4-BE49-F238E27FC236}">
-                <a16:creationId xmlns:a16="http://schemas.microsoft.com/office/drawing/2014/main" id="{04262B8A-5943-45EC-B833-97BEC3775158}"/>
+                <a16:creationId xmlns:a16="http://schemas.microsoft.com/office/drawing/2014/main" id="{C872C5C0-5D9A-463A-9470-A00F50ED92DB}"/>
               </a:ext>
             </a:extLst>
           </p:cNvPr>
@@ -12378,8 +14098,8 @@
         </p:blipFill>
         <p:spPr>
           <a:xfrm>
-            <a:off x="1077020" y="643466"/>
-            <a:ext cx="10037959" cy="5571067"/>
+            <a:off x="2157507" y="934222"/>
+            <a:ext cx="5944955" cy="3299450"/>
           </a:xfrm>
           <a:prstGeom prst="rect">
             <a:avLst/>
@@ -12389,7 +14109,7 @@
     </p:spTree>
     <p:extLst>
       <p:ext uri="{BB962C8B-B14F-4D97-AF65-F5344CB8AC3E}">
-        <p14:creationId xmlns:p14="http://schemas.microsoft.com/office/powerpoint/2010/main" val="2131443991"/>
+        <p14:creationId xmlns:p14="http://schemas.microsoft.com/office/powerpoint/2010/main" val="215296485"/>
       </p:ext>
     </p:extLst>
   </p:cSld>
@@ -12399,7 +14119,7 @@
 </p:sld>
 </file>
 
-<file path=ppt/slides/slide5.xml><?xml version="1.0" encoding="utf-8"?>
+<file path=ppt/slides/slide6.xml><?xml version="1.0" encoding="utf-8"?>
 <p:sld xmlns:a="http://schemas.openxmlformats.org/drawingml/2006/main" xmlns:r="http://schemas.openxmlformats.org/officeDocument/2006/relationships" xmlns:p="http://schemas.openxmlformats.org/presentationml/2006/main">
   <p:cSld>
     <p:bg>
@@ -12426,10 +14146,10 @@
       </p:grpSpPr>
       <p:grpSp>
         <p:nvGrpSpPr>
-          <p:cNvPr id="10" name="Group 9">
+          <p:cNvPr id="26" name="Group 25">
             <a:extLst>
               <a:ext uri="{FF2B5EF4-FFF2-40B4-BE49-F238E27FC236}">
-                <a16:creationId xmlns:a16="http://schemas.microsoft.com/office/drawing/2014/main" id="{5F054EF5-EFE6-45A2-834C-0F0931F39F1E}"/>
+                <a16:creationId xmlns:a16="http://schemas.microsoft.com/office/drawing/2014/main" id="{E0BF35CA-8AA0-428F-ABED-5B77A6C39154}"/>
               </a:ext>
               <a:ext uri="{C183D7F6-B498-43B3-948B-1728B52AA6E4}">
                 <adec:decorative xmlns:adec="http://schemas.microsoft.com/office/drawing/2017/decorative" val="1"/>
@@ -12457,10 +14177,10 @@
         </p:grpSpPr>
         <p:cxnSp>
           <p:nvCxnSpPr>
-            <p:cNvPr id="11" name="Straight Connector 10">
+            <p:cNvPr id="27" name="Straight Connector 26">
               <a:extLst>
                 <a:ext uri="{FF2B5EF4-FFF2-40B4-BE49-F238E27FC236}">
-                  <a16:creationId xmlns:a16="http://schemas.microsoft.com/office/drawing/2014/main" id="{CFE3C88A-FEDB-4B9C-94EE-5026B326B3EB}"/>
+                  <a16:creationId xmlns:a16="http://schemas.microsoft.com/office/drawing/2014/main" id="{FA4A156A-791B-4BD9-8452-A798A15D22C1}"/>
                 </a:ext>
                 <a:ext uri="{C183D7F6-B498-43B3-948B-1728B52AA6E4}">
                   <adec:decorative xmlns:adec="http://schemas.microsoft.com/office/drawing/2017/decorative" val="1"/>
@@ -12510,10 +14230,10 @@
         </p:cxnSp>
         <p:cxnSp>
           <p:nvCxnSpPr>
-            <p:cNvPr id="12" name="Straight Connector 11">
+            <p:cNvPr id="28" name="Straight Connector 27">
               <a:extLst>
                 <a:ext uri="{FF2B5EF4-FFF2-40B4-BE49-F238E27FC236}">
-                  <a16:creationId xmlns:a16="http://schemas.microsoft.com/office/drawing/2014/main" id="{B5D51D9B-0E7C-44D3-9215-81F9915232E9}"/>
+                  <a16:creationId xmlns:a16="http://schemas.microsoft.com/office/drawing/2014/main" id="{27652CB1-59D3-4DAB-AD45-8DFB738958E1}"/>
                 </a:ext>
                 <a:ext uri="{C183D7F6-B498-43B3-948B-1728B52AA6E4}">
                   <adec:decorative xmlns:adec="http://schemas.microsoft.com/office/drawing/2017/decorative" val="1"/>
@@ -12563,10 +14283,10 @@
         </p:cxnSp>
         <p:sp>
           <p:nvSpPr>
-            <p:cNvPr id="13" name="Rectangle 23">
+            <p:cNvPr id="29" name="Rectangle 23">
               <a:extLst>
                 <a:ext uri="{FF2B5EF4-FFF2-40B4-BE49-F238E27FC236}">
-                  <a16:creationId xmlns:a16="http://schemas.microsoft.com/office/drawing/2014/main" id="{16EFB339-1D4E-4824-A20B-AF30D07CF73A}"/>
+                  <a16:creationId xmlns:a16="http://schemas.microsoft.com/office/drawing/2014/main" id="{83539C1B-883E-4130-95FA-2A6FD3E49A6A}"/>
                 </a:ext>
                 <a:ext uri="{C183D7F6-B498-43B3-948B-1728B52AA6E4}">
                   <adec:decorative xmlns:adec="http://schemas.microsoft.com/office/drawing/2017/decorative" val="1"/>
@@ -12641,10 +14361,10 @@
         </p:sp>
         <p:sp>
           <p:nvSpPr>
-            <p:cNvPr id="14" name="Rectangle 25">
+            <p:cNvPr id="30" name="Rectangle 25">
               <a:extLst>
                 <a:ext uri="{FF2B5EF4-FFF2-40B4-BE49-F238E27FC236}">
-                  <a16:creationId xmlns:a16="http://schemas.microsoft.com/office/drawing/2014/main" id="{00030831-8136-4C61-8F00-6F190C5AEBEA}"/>
+                  <a16:creationId xmlns:a16="http://schemas.microsoft.com/office/drawing/2014/main" id="{244CEE5F-144C-437F-9472-22EE3E3D1C9A}"/>
                 </a:ext>
                 <a:ext uri="{C183D7F6-B498-43B3-948B-1728B52AA6E4}">
                   <adec:decorative xmlns:adec="http://schemas.microsoft.com/office/drawing/2017/decorative" val="1"/>
@@ -12719,10 +14439,10 @@
         </p:sp>
         <p:sp>
           <p:nvSpPr>
-            <p:cNvPr id="15" name="Isosceles Triangle 14">
+            <p:cNvPr id="31" name="Isosceles Triangle 30">
               <a:extLst>
                 <a:ext uri="{FF2B5EF4-FFF2-40B4-BE49-F238E27FC236}">
-                  <a16:creationId xmlns:a16="http://schemas.microsoft.com/office/drawing/2014/main" id="{9B14B360-4798-467E-ADE9-756959EC521D}"/>
+                  <a16:creationId xmlns:a16="http://schemas.microsoft.com/office/drawing/2014/main" id="{0621BB31-AA71-4E9B-8854-3C62F162FE19}"/>
                 </a:ext>
                 <a:ext uri="{C183D7F6-B498-43B3-948B-1728B52AA6E4}">
                   <adec:decorative xmlns:adec="http://schemas.microsoft.com/office/drawing/2017/decorative" val="1"/>
@@ -12775,10 +14495,10 @@
         </p:sp>
         <p:sp>
           <p:nvSpPr>
-            <p:cNvPr id="16" name="Rectangle 27">
+            <p:cNvPr id="32" name="Rectangle 27">
               <a:extLst>
                 <a:ext uri="{FF2B5EF4-FFF2-40B4-BE49-F238E27FC236}">
-                  <a16:creationId xmlns:a16="http://schemas.microsoft.com/office/drawing/2014/main" id="{9433F2F7-DA21-430A-A31C-D529D9C6A186}"/>
+                  <a16:creationId xmlns:a16="http://schemas.microsoft.com/office/drawing/2014/main" id="{5336141D-E3C6-4E7B-8923-B31C3E16F017}"/>
                 </a:ext>
                 <a:ext uri="{C183D7F6-B498-43B3-948B-1728B52AA6E4}">
                   <adec:decorative xmlns:adec="http://schemas.microsoft.com/office/drawing/2017/decorative" val="1"/>
@@ -12854,10 +14574,10 @@
         </p:sp>
         <p:sp>
           <p:nvSpPr>
-            <p:cNvPr id="17" name="Rectangle 28">
+            <p:cNvPr id="33" name="Rectangle 28">
               <a:extLst>
                 <a:ext uri="{FF2B5EF4-FFF2-40B4-BE49-F238E27FC236}">
-                  <a16:creationId xmlns:a16="http://schemas.microsoft.com/office/drawing/2014/main" id="{0B24FFF9-F75D-4A88-90F8-D2D7BBB8E89E}"/>
+                  <a16:creationId xmlns:a16="http://schemas.microsoft.com/office/drawing/2014/main" id="{F113BE6F-9D13-4E70-B7AB-C8CC2546ADB7}"/>
                 </a:ext>
                 <a:ext uri="{C183D7F6-B498-43B3-948B-1728B52AA6E4}">
                   <adec:decorative xmlns:adec="http://schemas.microsoft.com/office/drawing/2017/decorative" val="1"/>
@@ -12934,10 +14654,10 @@
         </p:sp>
         <p:sp>
           <p:nvSpPr>
-            <p:cNvPr id="18" name="Rectangle 29">
+            <p:cNvPr id="34" name="Rectangle 29">
               <a:extLst>
                 <a:ext uri="{FF2B5EF4-FFF2-40B4-BE49-F238E27FC236}">
-                  <a16:creationId xmlns:a16="http://schemas.microsoft.com/office/drawing/2014/main" id="{A0A2A2C4-404D-431C-8F9A-227932A42E45}"/>
+                  <a16:creationId xmlns:a16="http://schemas.microsoft.com/office/drawing/2014/main" id="{FBEB82C3-C636-4A90-B9A5-905EC38E01B3}"/>
                 </a:ext>
                 <a:ext uri="{C183D7F6-B498-43B3-948B-1728B52AA6E4}">
                   <adec:decorative xmlns:adec="http://schemas.microsoft.com/office/drawing/2017/decorative" val="1"/>
@@ -13012,10 +14732,10 @@
         </p:sp>
         <p:sp>
           <p:nvSpPr>
-            <p:cNvPr id="19" name="Isosceles Triangle 18">
+            <p:cNvPr id="35" name="Isosceles Triangle 34">
               <a:extLst>
                 <a:ext uri="{FF2B5EF4-FFF2-40B4-BE49-F238E27FC236}">
-                  <a16:creationId xmlns:a16="http://schemas.microsoft.com/office/drawing/2014/main" id="{4661DBE2-1BC5-463F-BBB8-199B890D1C4E}"/>
+                  <a16:creationId xmlns:a16="http://schemas.microsoft.com/office/drawing/2014/main" id="{646B4C4A-5A81-43CF-93ED-5FA59D5BE763}"/>
                 </a:ext>
                 <a:ext uri="{C183D7F6-B498-43B3-948B-1728B52AA6E4}">
                   <adec:decorative xmlns:adec="http://schemas.microsoft.com/office/drawing/2017/decorative" val="1"/>
@@ -13068,10 +14788,10 @@
         </p:sp>
         <p:sp>
           <p:nvSpPr>
-            <p:cNvPr id="20" name="Isosceles Triangle 19">
+            <p:cNvPr id="36" name="Isosceles Triangle 35">
               <a:extLst>
                 <a:ext uri="{FF2B5EF4-FFF2-40B4-BE49-F238E27FC236}">
-                  <a16:creationId xmlns:a16="http://schemas.microsoft.com/office/drawing/2014/main" id="{710A6E70-F0B9-4E3D-9A78-2D2FEE5DF3C5}"/>
+                  <a16:creationId xmlns:a16="http://schemas.microsoft.com/office/drawing/2014/main" id="{C3715C1A-EBA1-41A6-AC20-D6A7C48717B4}"/>
                 </a:ext>
                 <a:ext uri="{C183D7F6-B498-43B3-948B-1728B52AA6E4}">
                   <adec:decorative xmlns:adec="http://schemas.microsoft.com/office/drawing/2017/decorative" val="1"/>
@@ -13088,13 +14808,13 @@
             </p:nvPr>
           </p:nvSpPr>
           <p:spPr>
-            <a:xfrm>
-              <a:off x="0" y="4013200"/>
-              <a:ext cx="448733" cy="2844800"/>
+            <a:xfrm rot="10800000">
+              <a:off x="0" y="0"/>
+              <a:ext cx="842596" cy="5666154"/>
             </a:xfrm>
             <a:prstGeom prst="triangle">
               <a:avLst>
-                <a:gd name="adj" fmla="val 0"/>
+                <a:gd name="adj" fmla="val 100000"/>
               </a:avLst>
             </a:prstGeom>
             <a:solidFill>
@@ -13123,72 +14843,47 @@
           </p:style>
         </p:sp>
       </p:grpSp>
-      <p:sp useBgFill="1">
+      <p:sp>
         <p:nvSpPr>
-          <p:cNvPr id="22" name="Rectangle 21">
+          <p:cNvPr id="2" name="Title 1">
             <a:extLst>
               <a:ext uri="{FF2B5EF4-FFF2-40B4-BE49-F238E27FC236}">
-                <a16:creationId xmlns:a16="http://schemas.microsoft.com/office/drawing/2014/main" id="{39178BE9-53D8-441A-8691-0ED3B464BCD4}"/>
-              </a:ext>
-              <a:ext uri="{C183D7F6-B498-43B3-948B-1728B52AA6E4}">
-                <adec:decorative xmlns:adec="http://schemas.microsoft.com/office/drawing/2017/decorative" val="1"/>
+                <a16:creationId xmlns:a16="http://schemas.microsoft.com/office/drawing/2014/main" id="{1E52212C-689A-43E4-BB1C-E1DCE036206E}"/>
               </a:ext>
             </a:extLst>
           </p:cNvPr>
           <p:cNvSpPr>
-            <a:spLocks noGrp="1" noRot="1" noChangeAspect="1" noMove="1" noResize="1" noEditPoints="1" noAdjustHandles="1" noChangeArrowheads="1" noChangeShapeType="1" noTextEdit="1"/>
+            <a:spLocks noGrp="1"/>
           </p:cNvSpPr>
           <p:nvPr>
-            <p:extLst>
-              <p:ext uri="{386F3935-93C4-4BCD-93E2-E3B085C9AB24}">
-                <p16:designElem xmlns:p16="http://schemas.microsoft.com/office/powerpoint/2015/main" val="1"/>
-              </p:ext>
-            </p:extLst>
+            <p:ph type="title"/>
           </p:nvPr>
         </p:nvSpPr>
         <p:spPr>
           <a:xfrm>
-            <a:off x="0" y="0"/>
-            <a:ext cx="12188952" cy="6858000"/>
+            <a:off x="1600199" y="4571999"/>
+            <a:ext cx="7673801" cy="1087656"/>
           </a:xfrm>
-          <a:prstGeom prst="rect">
-            <a:avLst/>
-          </a:prstGeom>
-          <a:ln>
-            <a:noFill/>
-          </a:ln>
         </p:spPr>
-        <p:style>
-          <a:lnRef idx="2">
-            <a:schemeClr val="accent1">
-              <a:shade val="50000"/>
-            </a:schemeClr>
-          </a:lnRef>
-          <a:fillRef idx="1">
-            <a:schemeClr val="accent1"/>
-          </a:fillRef>
-          <a:effectRef idx="0">
-            <a:schemeClr val="accent1"/>
-          </a:effectRef>
-          <a:fontRef idx="minor">
-            <a:schemeClr val="lt1"/>
-          </a:fontRef>
-        </p:style>
         <p:txBody>
-          <a:bodyPr rtlCol="0" anchor="ctr"/>
+          <a:bodyPr vert="horz" lIns="91440" tIns="45720" rIns="91440" bIns="45720" rtlCol="0" anchor="b">
+            <a:normAutofit/>
+          </a:bodyPr>
           <a:lstStyle/>
           <a:p>
-            <a:pPr algn="ctr"/>
-            <a:endParaRPr lang="en-US" dirty="0"/>
+            <a:r>
+              <a:rPr lang="en-US" sz="4800"/>
+              <a:t>Login Screen</a:t>
+            </a:r>
           </a:p>
         </p:txBody>
       </p:sp>
       <p:pic>
         <p:nvPicPr>
-          <p:cNvPr id="5" name="Content Placeholder 4" descr="A screenshot of a cell phone&#10;&#10;Description automatically generated">
+          <p:cNvPr id="4" name="Content Placeholder 4" descr="A screenshot of a cell phone&#10;&#10;Description automatically generated">
             <a:extLst>
               <a:ext uri="{FF2B5EF4-FFF2-40B4-BE49-F238E27FC236}">
-                <a16:creationId xmlns:a16="http://schemas.microsoft.com/office/drawing/2014/main" id="{15898B91-D402-4C93-B065-097547F69F1B}"/>
+                <a16:creationId xmlns:a16="http://schemas.microsoft.com/office/drawing/2014/main" id="{90465E3A-7E77-42E8-BA72-865505A6A22E}"/>
               </a:ext>
             </a:extLst>
           </p:cNvPr>
@@ -13200,7 +14895,7 @@
           </p:nvPr>
         </p:nvPicPr>
         <p:blipFill>
-          <a:blip r:embed="rId2">
+          <a:blip r:embed="rId3">
             <a:extLst>
               <a:ext uri="{28A0092B-C50C-407E-A947-70E740481C1C}">
                 <a14:useLocalDpi xmlns:a14="http://schemas.microsoft.com/office/drawing/2010/main" val="0"/>
@@ -13213,8 +14908,8 @@
         </p:blipFill>
         <p:spPr>
           <a:xfrm>
-            <a:off x="1077020" y="643466"/>
-            <a:ext cx="10037959" cy="5571067"/>
+            <a:off x="1600201" y="609600"/>
+            <a:ext cx="6562806" cy="3642357"/>
           </a:xfrm>
           <a:prstGeom prst="rect">
             <a:avLst/>
@@ -13224,7 +14919,7 @@
     </p:spTree>
     <p:extLst>
       <p:ext uri="{BB962C8B-B14F-4D97-AF65-F5344CB8AC3E}">
-        <p14:creationId xmlns:p14="http://schemas.microsoft.com/office/powerpoint/2010/main" val="3679029239"/>
+        <p14:creationId xmlns:p14="http://schemas.microsoft.com/office/powerpoint/2010/main" val="3278607337"/>
       </p:ext>
     </p:extLst>
   </p:cSld>
@@ -13234,7 +14929,7 @@
 </p:sld>
 </file>
 
-<file path=ppt/slides/slide6.xml><?xml version="1.0" encoding="utf-8"?>
+<file path=ppt/slides/slide7.xml><?xml version="1.0" encoding="utf-8"?>
 <p:sld xmlns:a="http://schemas.openxmlformats.org/drawingml/2006/main" xmlns:r="http://schemas.openxmlformats.org/officeDocument/2006/relationships" xmlns:p="http://schemas.openxmlformats.org/presentationml/2006/main">
   <p:cSld>
     <p:bg>
@@ -13261,10 +14956,10 @@
       </p:grpSpPr>
       <p:grpSp>
         <p:nvGrpSpPr>
-          <p:cNvPr id="10" name="Group 9">
+          <p:cNvPr id="9" name="Group 8">
             <a:extLst>
               <a:ext uri="{FF2B5EF4-FFF2-40B4-BE49-F238E27FC236}">
-                <a16:creationId xmlns:a16="http://schemas.microsoft.com/office/drawing/2014/main" id="{5F054EF5-EFE6-45A2-834C-0F0931F39F1E}"/>
+                <a16:creationId xmlns:a16="http://schemas.microsoft.com/office/drawing/2014/main" id="{E0BF35CA-8AA0-428F-ABED-5B77A6C39154}"/>
               </a:ext>
               <a:ext uri="{C183D7F6-B498-43B3-948B-1728B52AA6E4}">
                 <adec:decorative xmlns:adec="http://schemas.microsoft.com/office/drawing/2017/decorative" val="1"/>
@@ -13292,10 +14987,10 @@
         </p:grpSpPr>
         <p:cxnSp>
           <p:nvCxnSpPr>
-            <p:cNvPr id="11" name="Straight Connector 10">
+            <p:cNvPr id="10" name="Straight Connector 9">
               <a:extLst>
                 <a:ext uri="{FF2B5EF4-FFF2-40B4-BE49-F238E27FC236}">
-                  <a16:creationId xmlns:a16="http://schemas.microsoft.com/office/drawing/2014/main" id="{CFE3C88A-FEDB-4B9C-94EE-5026B326B3EB}"/>
+                  <a16:creationId xmlns:a16="http://schemas.microsoft.com/office/drawing/2014/main" id="{FA4A156A-791B-4BD9-8452-A798A15D22C1}"/>
                 </a:ext>
                 <a:ext uri="{C183D7F6-B498-43B3-948B-1728B52AA6E4}">
                   <adec:decorative xmlns:adec="http://schemas.microsoft.com/office/drawing/2017/decorative" val="1"/>
@@ -13345,10 +15040,10 @@
         </p:cxnSp>
         <p:cxnSp>
           <p:nvCxnSpPr>
-            <p:cNvPr id="12" name="Straight Connector 11">
+            <p:cNvPr id="11" name="Straight Connector 10">
               <a:extLst>
                 <a:ext uri="{FF2B5EF4-FFF2-40B4-BE49-F238E27FC236}">
-                  <a16:creationId xmlns:a16="http://schemas.microsoft.com/office/drawing/2014/main" id="{B5D51D9B-0E7C-44D3-9215-81F9915232E9}"/>
+                  <a16:creationId xmlns:a16="http://schemas.microsoft.com/office/drawing/2014/main" id="{27652CB1-59D3-4DAB-AD45-8DFB738958E1}"/>
                 </a:ext>
                 <a:ext uri="{C183D7F6-B498-43B3-948B-1728B52AA6E4}">
                   <adec:decorative xmlns:adec="http://schemas.microsoft.com/office/drawing/2017/decorative" val="1"/>
@@ -13398,10 +15093,10 @@
         </p:cxnSp>
         <p:sp>
           <p:nvSpPr>
-            <p:cNvPr id="13" name="Rectangle 23">
+            <p:cNvPr id="12" name="Rectangle 23">
               <a:extLst>
                 <a:ext uri="{FF2B5EF4-FFF2-40B4-BE49-F238E27FC236}">
-                  <a16:creationId xmlns:a16="http://schemas.microsoft.com/office/drawing/2014/main" id="{16EFB339-1D4E-4824-A20B-AF30D07CF73A}"/>
+                  <a16:creationId xmlns:a16="http://schemas.microsoft.com/office/drawing/2014/main" id="{83539C1B-883E-4130-95FA-2A6FD3E49A6A}"/>
                 </a:ext>
                 <a:ext uri="{C183D7F6-B498-43B3-948B-1728B52AA6E4}">
                   <adec:decorative xmlns:adec="http://schemas.microsoft.com/office/drawing/2017/decorative" val="1"/>
@@ -13476,10 +15171,10 @@
         </p:sp>
         <p:sp>
           <p:nvSpPr>
-            <p:cNvPr id="14" name="Rectangle 25">
+            <p:cNvPr id="13" name="Rectangle 25">
               <a:extLst>
                 <a:ext uri="{FF2B5EF4-FFF2-40B4-BE49-F238E27FC236}">
-                  <a16:creationId xmlns:a16="http://schemas.microsoft.com/office/drawing/2014/main" id="{00030831-8136-4C61-8F00-6F190C5AEBEA}"/>
+                  <a16:creationId xmlns:a16="http://schemas.microsoft.com/office/drawing/2014/main" id="{244CEE5F-144C-437F-9472-22EE3E3D1C9A}"/>
                 </a:ext>
                 <a:ext uri="{C183D7F6-B498-43B3-948B-1728B52AA6E4}">
                   <adec:decorative xmlns:adec="http://schemas.microsoft.com/office/drawing/2017/decorative" val="1"/>
@@ -13554,10 +15249,10 @@
         </p:sp>
         <p:sp>
           <p:nvSpPr>
-            <p:cNvPr id="15" name="Isosceles Triangle 14">
+            <p:cNvPr id="14" name="Isosceles Triangle 13">
               <a:extLst>
                 <a:ext uri="{FF2B5EF4-FFF2-40B4-BE49-F238E27FC236}">
-                  <a16:creationId xmlns:a16="http://schemas.microsoft.com/office/drawing/2014/main" id="{9B14B360-4798-467E-ADE9-756959EC521D}"/>
+                  <a16:creationId xmlns:a16="http://schemas.microsoft.com/office/drawing/2014/main" id="{0621BB31-AA71-4E9B-8854-3C62F162FE19}"/>
                 </a:ext>
                 <a:ext uri="{C183D7F6-B498-43B3-948B-1728B52AA6E4}">
                   <adec:decorative xmlns:adec="http://schemas.microsoft.com/office/drawing/2017/decorative" val="1"/>
@@ -13610,10 +15305,10 @@
         </p:sp>
         <p:sp>
           <p:nvSpPr>
-            <p:cNvPr id="16" name="Rectangle 27">
+            <p:cNvPr id="15" name="Rectangle 27">
               <a:extLst>
                 <a:ext uri="{FF2B5EF4-FFF2-40B4-BE49-F238E27FC236}">
-                  <a16:creationId xmlns:a16="http://schemas.microsoft.com/office/drawing/2014/main" id="{9433F2F7-DA21-430A-A31C-D529D9C6A186}"/>
+                  <a16:creationId xmlns:a16="http://schemas.microsoft.com/office/drawing/2014/main" id="{5336141D-E3C6-4E7B-8923-B31C3E16F017}"/>
                 </a:ext>
                 <a:ext uri="{C183D7F6-B498-43B3-948B-1728B52AA6E4}">
                   <adec:decorative xmlns:adec="http://schemas.microsoft.com/office/drawing/2017/decorative" val="1"/>
@@ -13689,10 +15384,10 @@
         </p:sp>
         <p:sp>
           <p:nvSpPr>
-            <p:cNvPr id="17" name="Rectangle 28">
+            <p:cNvPr id="16" name="Rectangle 28">
               <a:extLst>
                 <a:ext uri="{FF2B5EF4-FFF2-40B4-BE49-F238E27FC236}">
-                  <a16:creationId xmlns:a16="http://schemas.microsoft.com/office/drawing/2014/main" id="{0B24FFF9-F75D-4A88-90F8-D2D7BBB8E89E}"/>
+                  <a16:creationId xmlns:a16="http://schemas.microsoft.com/office/drawing/2014/main" id="{F113BE6F-9D13-4E70-B7AB-C8CC2546ADB7}"/>
                 </a:ext>
                 <a:ext uri="{C183D7F6-B498-43B3-948B-1728B52AA6E4}">
                   <adec:decorative xmlns:adec="http://schemas.microsoft.com/office/drawing/2017/decorative" val="1"/>
@@ -13769,10 +15464,10 @@
         </p:sp>
         <p:sp>
           <p:nvSpPr>
-            <p:cNvPr id="18" name="Rectangle 29">
+            <p:cNvPr id="17" name="Rectangle 29">
               <a:extLst>
                 <a:ext uri="{FF2B5EF4-FFF2-40B4-BE49-F238E27FC236}">
-                  <a16:creationId xmlns:a16="http://schemas.microsoft.com/office/drawing/2014/main" id="{A0A2A2C4-404D-431C-8F9A-227932A42E45}"/>
+                  <a16:creationId xmlns:a16="http://schemas.microsoft.com/office/drawing/2014/main" id="{FBEB82C3-C636-4A90-B9A5-905EC38E01B3}"/>
                 </a:ext>
                 <a:ext uri="{C183D7F6-B498-43B3-948B-1728B52AA6E4}">
                   <adec:decorative xmlns:adec="http://schemas.microsoft.com/office/drawing/2017/decorative" val="1"/>
@@ -13847,10 +15542,10 @@
         </p:sp>
         <p:sp>
           <p:nvSpPr>
-            <p:cNvPr id="19" name="Isosceles Triangle 18">
+            <p:cNvPr id="18" name="Isosceles Triangle 17">
               <a:extLst>
                 <a:ext uri="{FF2B5EF4-FFF2-40B4-BE49-F238E27FC236}">
-                  <a16:creationId xmlns:a16="http://schemas.microsoft.com/office/drawing/2014/main" id="{4661DBE2-1BC5-463F-BBB8-199B890D1C4E}"/>
+                  <a16:creationId xmlns:a16="http://schemas.microsoft.com/office/drawing/2014/main" id="{646B4C4A-5A81-43CF-93ED-5FA59D5BE763}"/>
                 </a:ext>
                 <a:ext uri="{C183D7F6-B498-43B3-948B-1728B52AA6E4}">
                   <adec:decorative xmlns:adec="http://schemas.microsoft.com/office/drawing/2017/decorative" val="1"/>
@@ -13903,10 +15598,10 @@
         </p:sp>
         <p:sp>
           <p:nvSpPr>
-            <p:cNvPr id="20" name="Isosceles Triangle 19">
+            <p:cNvPr id="19" name="Isosceles Triangle 18">
               <a:extLst>
                 <a:ext uri="{FF2B5EF4-FFF2-40B4-BE49-F238E27FC236}">
-                  <a16:creationId xmlns:a16="http://schemas.microsoft.com/office/drawing/2014/main" id="{710A6E70-F0B9-4E3D-9A78-2D2FEE5DF3C5}"/>
+                  <a16:creationId xmlns:a16="http://schemas.microsoft.com/office/drawing/2014/main" id="{C3715C1A-EBA1-41A6-AC20-D6A7C48717B4}"/>
                 </a:ext>
                 <a:ext uri="{C183D7F6-B498-43B3-948B-1728B52AA6E4}">
                   <adec:decorative xmlns:adec="http://schemas.microsoft.com/office/drawing/2017/decorative" val="1"/>
@@ -13923,13 +15618,13 @@
             </p:nvPr>
           </p:nvSpPr>
           <p:spPr>
-            <a:xfrm>
-              <a:off x="0" y="4013200"/>
-              <a:ext cx="448733" cy="2844800"/>
+            <a:xfrm rot="10800000">
+              <a:off x="0" y="0"/>
+              <a:ext cx="842596" cy="5666154"/>
             </a:xfrm>
             <a:prstGeom prst="triangle">
               <a:avLst>
-                <a:gd name="adj" fmla="val 0"/>
+                <a:gd name="adj" fmla="val 100000"/>
               </a:avLst>
             </a:prstGeom>
             <a:solidFill>
@@ -13958,72 +15653,47 @@
           </p:style>
         </p:sp>
       </p:grpSp>
-      <p:sp useBgFill="1">
+      <p:sp>
         <p:nvSpPr>
-          <p:cNvPr id="22" name="Rectangle 21">
+          <p:cNvPr id="2" name="Title 1">
             <a:extLst>
               <a:ext uri="{FF2B5EF4-FFF2-40B4-BE49-F238E27FC236}">
-                <a16:creationId xmlns:a16="http://schemas.microsoft.com/office/drawing/2014/main" id="{39178BE9-53D8-441A-8691-0ED3B464BCD4}"/>
-              </a:ext>
-              <a:ext uri="{C183D7F6-B498-43B3-948B-1728B52AA6E4}">
-                <adec:decorative xmlns:adec="http://schemas.microsoft.com/office/drawing/2017/decorative" val="1"/>
+                <a16:creationId xmlns:a16="http://schemas.microsoft.com/office/drawing/2014/main" id="{918B9AA1-7F8F-454C-915A-B3740D58C26A}"/>
               </a:ext>
             </a:extLst>
           </p:cNvPr>
           <p:cNvSpPr>
-            <a:spLocks noGrp="1" noRot="1" noChangeAspect="1" noMove="1" noResize="1" noEditPoints="1" noAdjustHandles="1" noChangeArrowheads="1" noChangeShapeType="1" noTextEdit="1"/>
+            <a:spLocks noGrp="1"/>
           </p:cNvSpPr>
           <p:nvPr>
-            <p:extLst>
-              <p:ext uri="{386F3935-93C4-4BCD-93E2-E3B085C9AB24}">
-                <p16:designElem xmlns:p16="http://schemas.microsoft.com/office/powerpoint/2015/main" val="1"/>
-              </p:ext>
-            </p:extLst>
+            <p:ph type="title"/>
           </p:nvPr>
         </p:nvSpPr>
         <p:spPr>
           <a:xfrm>
-            <a:off x="0" y="0"/>
-            <a:ext cx="12188952" cy="6858000"/>
+            <a:off x="1600199" y="4571999"/>
+            <a:ext cx="7673801" cy="1087656"/>
           </a:xfrm>
-          <a:prstGeom prst="rect">
-            <a:avLst/>
-          </a:prstGeom>
-          <a:ln>
-            <a:noFill/>
-          </a:ln>
         </p:spPr>
-        <p:style>
-          <a:lnRef idx="2">
-            <a:schemeClr val="accent1">
-              <a:shade val="50000"/>
-            </a:schemeClr>
-          </a:lnRef>
-          <a:fillRef idx="1">
-            <a:schemeClr val="accent1"/>
-          </a:fillRef>
-          <a:effectRef idx="0">
-            <a:schemeClr val="accent1"/>
-          </a:effectRef>
-          <a:fontRef idx="minor">
-            <a:schemeClr val="lt1"/>
-          </a:fontRef>
-        </p:style>
         <p:txBody>
-          <a:bodyPr rtlCol="0" anchor="ctr"/>
+          <a:bodyPr vert="horz" lIns="91440" tIns="45720" rIns="91440" bIns="45720" rtlCol="0" anchor="b">
+            <a:normAutofit/>
+          </a:bodyPr>
           <a:lstStyle/>
           <a:p>
-            <a:pPr algn="ctr"/>
-            <a:endParaRPr lang="en-US" dirty="0"/>
+            <a:r>
+              <a:rPr lang="en-US" sz="4800"/>
+              <a:t>List Screen</a:t>
+            </a:r>
           </a:p>
         </p:txBody>
       </p:sp>
       <p:pic>
         <p:nvPicPr>
-          <p:cNvPr id="5" name="Content Placeholder 4" descr="A screenshot of a cell phone&#10;&#10;Description automatically generated">
+          <p:cNvPr id="4" name="Content Placeholder 4" descr="A screenshot of a cell phone&#10;&#10;Description automatically generated">
             <a:extLst>
               <a:ext uri="{FF2B5EF4-FFF2-40B4-BE49-F238E27FC236}">
-                <a16:creationId xmlns:a16="http://schemas.microsoft.com/office/drawing/2014/main" id="{D594241A-F4EE-4BEC-8778-16F563FF09BD}"/>
+                <a16:creationId xmlns:a16="http://schemas.microsoft.com/office/drawing/2014/main" id="{91EB9676-0D21-43D1-9F74-9BC83FB37780}"/>
               </a:ext>
             </a:extLst>
           </p:cNvPr>
@@ -14035,7 +15705,7 @@
           </p:nvPr>
         </p:nvPicPr>
         <p:blipFill>
-          <a:blip r:embed="rId2">
+          <a:blip r:embed="rId3">
             <a:extLst>
               <a:ext uri="{28A0092B-C50C-407E-A947-70E740481C1C}">
                 <a14:useLocalDpi xmlns:a14="http://schemas.microsoft.com/office/drawing/2010/main" val="0"/>
@@ -14048,8 +15718,8 @@
         </p:blipFill>
         <p:spPr>
           <a:xfrm>
-            <a:off x="1077020" y="643466"/>
-            <a:ext cx="10037959" cy="5571067"/>
+            <a:off x="1600201" y="609600"/>
+            <a:ext cx="6562806" cy="3642357"/>
           </a:xfrm>
           <a:prstGeom prst="rect">
             <a:avLst/>
@@ -14059,7 +15729,7 @@
     </p:spTree>
     <p:extLst>
       <p:ext uri="{BB962C8B-B14F-4D97-AF65-F5344CB8AC3E}">
-        <p14:creationId xmlns:p14="http://schemas.microsoft.com/office/powerpoint/2010/main" val="1876527450"/>
+        <p14:creationId xmlns:p14="http://schemas.microsoft.com/office/powerpoint/2010/main" val="2757859178"/>
       </p:ext>
     </p:extLst>
   </p:cSld>
@@ -14069,7 +15739,7 @@
 </p:sld>
 </file>
 
-<file path=ppt/slides/slide7.xml><?xml version="1.0" encoding="utf-8"?>
+<file path=ppt/slides/slide8.xml><?xml version="1.0" encoding="utf-8"?>
 <p:sld xmlns:a="http://schemas.openxmlformats.org/drawingml/2006/main" xmlns:r="http://schemas.openxmlformats.org/officeDocument/2006/relationships" xmlns:p="http://schemas.openxmlformats.org/presentationml/2006/main">
   <p:cSld>
     <p:bg>
@@ -14096,10 +15766,10 @@
       </p:grpSpPr>
       <p:grpSp>
         <p:nvGrpSpPr>
-          <p:cNvPr id="12" name="Group 11">
+          <p:cNvPr id="9" name="Group 8">
             <a:extLst>
               <a:ext uri="{FF2B5EF4-FFF2-40B4-BE49-F238E27FC236}">
-                <a16:creationId xmlns:a16="http://schemas.microsoft.com/office/drawing/2014/main" id="{5F054EF5-EFE6-45A2-834C-0F0931F39F1E}"/>
+                <a16:creationId xmlns:a16="http://schemas.microsoft.com/office/drawing/2014/main" id="{E0BF35CA-8AA0-428F-ABED-5B77A6C39154}"/>
               </a:ext>
               <a:ext uri="{C183D7F6-B498-43B3-948B-1728B52AA6E4}">
                 <adec:decorative xmlns:adec="http://schemas.microsoft.com/office/drawing/2017/decorative" val="1"/>
@@ -14127,10 +15797,10 @@
         </p:grpSpPr>
         <p:cxnSp>
           <p:nvCxnSpPr>
-            <p:cNvPr id="13" name="Straight Connector 12">
+            <p:cNvPr id="10" name="Straight Connector 9">
               <a:extLst>
                 <a:ext uri="{FF2B5EF4-FFF2-40B4-BE49-F238E27FC236}">
-                  <a16:creationId xmlns:a16="http://schemas.microsoft.com/office/drawing/2014/main" id="{CFE3C88A-FEDB-4B9C-94EE-5026B326B3EB}"/>
+                  <a16:creationId xmlns:a16="http://schemas.microsoft.com/office/drawing/2014/main" id="{FA4A156A-791B-4BD9-8452-A798A15D22C1}"/>
                 </a:ext>
                 <a:ext uri="{C183D7F6-B498-43B3-948B-1728B52AA6E4}">
                   <adec:decorative xmlns:adec="http://schemas.microsoft.com/office/drawing/2017/decorative" val="1"/>
@@ -14180,10 +15850,10 @@
         </p:cxnSp>
         <p:cxnSp>
           <p:nvCxnSpPr>
-            <p:cNvPr id="14" name="Straight Connector 13">
+            <p:cNvPr id="11" name="Straight Connector 10">
               <a:extLst>
                 <a:ext uri="{FF2B5EF4-FFF2-40B4-BE49-F238E27FC236}">
-                  <a16:creationId xmlns:a16="http://schemas.microsoft.com/office/drawing/2014/main" id="{B5D51D9B-0E7C-44D3-9215-81F9915232E9}"/>
+                  <a16:creationId xmlns:a16="http://schemas.microsoft.com/office/drawing/2014/main" id="{27652CB1-59D3-4DAB-AD45-8DFB738958E1}"/>
                 </a:ext>
                 <a:ext uri="{C183D7F6-B498-43B3-948B-1728B52AA6E4}">
                   <adec:decorative xmlns:adec="http://schemas.microsoft.com/office/drawing/2017/decorative" val="1"/>
@@ -14233,10 +15903,10 @@
         </p:cxnSp>
         <p:sp>
           <p:nvSpPr>
-            <p:cNvPr id="15" name="Rectangle 23">
+            <p:cNvPr id="12" name="Rectangle 23">
               <a:extLst>
                 <a:ext uri="{FF2B5EF4-FFF2-40B4-BE49-F238E27FC236}">
-                  <a16:creationId xmlns:a16="http://schemas.microsoft.com/office/drawing/2014/main" id="{16EFB339-1D4E-4824-A20B-AF30D07CF73A}"/>
+                  <a16:creationId xmlns:a16="http://schemas.microsoft.com/office/drawing/2014/main" id="{83539C1B-883E-4130-95FA-2A6FD3E49A6A}"/>
                 </a:ext>
                 <a:ext uri="{C183D7F6-B498-43B3-948B-1728B52AA6E4}">
                   <adec:decorative xmlns:adec="http://schemas.microsoft.com/office/drawing/2017/decorative" val="1"/>
@@ -14311,10 +15981,10 @@
         </p:sp>
         <p:sp>
           <p:nvSpPr>
-            <p:cNvPr id="16" name="Rectangle 25">
+            <p:cNvPr id="13" name="Rectangle 25">
               <a:extLst>
                 <a:ext uri="{FF2B5EF4-FFF2-40B4-BE49-F238E27FC236}">
-                  <a16:creationId xmlns:a16="http://schemas.microsoft.com/office/drawing/2014/main" id="{00030831-8136-4C61-8F00-6F190C5AEBEA}"/>
+                  <a16:creationId xmlns:a16="http://schemas.microsoft.com/office/drawing/2014/main" id="{244CEE5F-144C-437F-9472-22EE3E3D1C9A}"/>
                 </a:ext>
                 <a:ext uri="{C183D7F6-B498-43B3-948B-1728B52AA6E4}">
                   <adec:decorative xmlns:adec="http://schemas.microsoft.com/office/drawing/2017/decorative" val="1"/>
@@ -14389,10 +16059,10 @@
         </p:sp>
         <p:sp>
           <p:nvSpPr>
-            <p:cNvPr id="17" name="Isosceles Triangle 16">
+            <p:cNvPr id="14" name="Isosceles Triangle 13">
               <a:extLst>
                 <a:ext uri="{FF2B5EF4-FFF2-40B4-BE49-F238E27FC236}">
-                  <a16:creationId xmlns:a16="http://schemas.microsoft.com/office/drawing/2014/main" id="{9B14B360-4798-467E-ADE9-756959EC521D}"/>
+                  <a16:creationId xmlns:a16="http://schemas.microsoft.com/office/drawing/2014/main" id="{0621BB31-AA71-4E9B-8854-3C62F162FE19}"/>
                 </a:ext>
                 <a:ext uri="{C183D7F6-B498-43B3-948B-1728B52AA6E4}">
                   <adec:decorative xmlns:adec="http://schemas.microsoft.com/office/drawing/2017/decorative" val="1"/>
@@ -14445,10 +16115,10 @@
         </p:sp>
         <p:sp>
           <p:nvSpPr>
-            <p:cNvPr id="18" name="Rectangle 27">
+            <p:cNvPr id="15" name="Rectangle 27">
               <a:extLst>
                 <a:ext uri="{FF2B5EF4-FFF2-40B4-BE49-F238E27FC236}">
-                  <a16:creationId xmlns:a16="http://schemas.microsoft.com/office/drawing/2014/main" id="{9433F2F7-DA21-430A-A31C-D529D9C6A186}"/>
+                  <a16:creationId xmlns:a16="http://schemas.microsoft.com/office/drawing/2014/main" id="{5336141D-E3C6-4E7B-8923-B31C3E16F017}"/>
                 </a:ext>
                 <a:ext uri="{C183D7F6-B498-43B3-948B-1728B52AA6E4}">
                   <adec:decorative xmlns:adec="http://schemas.microsoft.com/office/drawing/2017/decorative" val="1"/>
@@ -14524,10 +16194,10 @@
         </p:sp>
         <p:sp>
           <p:nvSpPr>
-            <p:cNvPr id="19" name="Rectangle 28">
+            <p:cNvPr id="16" name="Rectangle 28">
               <a:extLst>
                 <a:ext uri="{FF2B5EF4-FFF2-40B4-BE49-F238E27FC236}">
-                  <a16:creationId xmlns:a16="http://schemas.microsoft.com/office/drawing/2014/main" id="{0B24FFF9-F75D-4A88-90F8-D2D7BBB8E89E}"/>
+                  <a16:creationId xmlns:a16="http://schemas.microsoft.com/office/drawing/2014/main" id="{F113BE6F-9D13-4E70-B7AB-C8CC2546ADB7}"/>
                 </a:ext>
                 <a:ext uri="{C183D7F6-B498-43B3-948B-1728B52AA6E4}">
                   <adec:decorative xmlns:adec="http://schemas.microsoft.com/office/drawing/2017/decorative" val="1"/>
@@ -14604,10 +16274,10 @@
         </p:sp>
         <p:sp>
           <p:nvSpPr>
-            <p:cNvPr id="20" name="Rectangle 29">
+            <p:cNvPr id="17" name="Rectangle 29">
               <a:extLst>
                 <a:ext uri="{FF2B5EF4-FFF2-40B4-BE49-F238E27FC236}">
-                  <a16:creationId xmlns:a16="http://schemas.microsoft.com/office/drawing/2014/main" id="{A0A2A2C4-404D-431C-8F9A-227932A42E45}"/>
+                  <a16:creationId xmlns:a16="http://schemas.microsoft.com/office/drawing/2014/main" id="{FBEB82C3-C636-4A90-B9A5-905EC38E01B3}"/>
                 </a:ext>
                 <a:ext uri="{C183D7F6-B498-43B3-948B-1728B52AA6E4}">
                   <adec:decorative xmlns:adec="http://schemas.microsoft.com/office/drawing/2017/decorative" val="1"/>
@@ -14682,10 +16352,10 @@
         </p:sp>
         <p:sp>
           <p:nvSpPr>
-            <p:cNvPr id="21" name="Isosceles Triangle 20">
+            <p:cNvPr id="18" name="Isosceles Triangle 17">
               <a:extLst>
                 <a:ext uri="{FF2B5EF4-FFF2-40B4-BE49-F238E27FC236}">
-                  <a16:creationId xmlns:a16="http://schemas.microsoft.com/office/drawing/2014/main" id="{4661DBE2-1BC5-463F-BBB8-199B890D1C4E}"/>
+                  <a16:creationId xmlns:a16="http://schemas.microsoft.com/office/drawing/2014/main" id="{646B4C4A-5A81-43CF-93ED-5FA59D5BE763}"/>
                 </a:ext>
                 <a:ext uri="{C183D7F6-B498-43B3-948B-1728B52AA6E4}">
                   <adec:decorative xmlns:adec="http://schemas.microsoft.com/office/drawing/2017/decorative" val="1"/>
@@ -14738,10 +16408,10 @@
         </p:sp>
         <p:sp>
           <p:nvSpPr>
-            <p:cNvPr id="22" name="Isosceles Triangle 21">
+            <p:cNvPr id="19" name="Isosceles Triangle 18">
               <a:extLst>
                 <a:ext uri="{FF2B5EF4-FFF2-40B4-BE49-F238E27FC236}">
-                  <a16:creationId xmlns:a16="http://schemas.microsoft.com/office/drawing/2014/main" id="{710A6E70-F0B9-4E3D-9A78-2D2FEE5DF3C5}"/>
+                  <a16:creationId xmlns:a16="http://schemas.microsoft.com/office/drawing/2014/main" id="{C3715C1A-EBA1-41A6-AC20-D6A7C48717B4}"/>
                 </a:ext>
                 <a:ext uri="{C183D7F6-B498-43B3-948B-1728B52AA6E4}">
                   <adec:decorative xmlns:adec="http://schemas.microsoft.com/office/drawing/2017/decorative" val="1"/>
@@ -14758,13 +16428,13 @@
             </p:nvPr>
           </p:nvSpPr>
           <p:spPr>
-            <a:xfrm>
-              <a:off x="0" y="4013200"/>
-              <a:ext cx="448733" cy="2844800"/>
+            <a:xfrm rot="10800000">
+              <a:off x="0" y="0"/>
+              <a:ext cx="842596" cy="5666154"/>
             </a:xfrm>
             <a:prstGeom prst="triangle">
               <a:avLst>
-                <a:gd name="adj" fmla="val 0"/>
+                <a:gd name="adj" fmla="val 100000"/>
               </a:avLst>
             </a:prstGeom>
             <a:solidFill>
@@ -14793,72 +16463,47 @@
           </p:style>
         </p:sp>
       </p:grpSp>
-      <p:sp useBgFill="1">
+      <p:sp>
         <p:nvSpPr>
-          <p:cNvPr id="24" name="Rectangle 23">
+          <p:cNvPr id="2" name="Title 1">
             <a:extLst>
               <a:ext uri="{FF2B5EF4-FFF2-40B4-BE49-F238E27FC236}">
-                <a16:creationId xmlns:a16="http://schemas.microsoft.com/office/drawing/2014/main" id="{39178BE9-53D8-441A-8691-0ED3B464BCD4}"/>
-              </a:ext>
-              <a:ext uri="{C183D7F6-B498-43B3-948B-1728B52AA6E4}">
-                <adec:decorative xmlns:adec="http://schemas.microsoft.com/office/drawing/2017/decorative" val="1"/>
+                <a16:creationId xmlns:a16="http://schemas.microsoft.com/office/drawing/2014/main" id="{9F549A8D-440D-4CE5-88F1-B400E0B7A45E}"/>
               </a:ext>
             </a:extLst>
           </p:cNvPr>
           <p:cNvSpPr>
-            <a:spLocks noGrp="1" noRot="1" noChangeAspect="1" noMove="1" noResize="1" noEditPoints="1" noAdjustHandles="1" noChangeArrowheads="1" noChangeShapeType="1" noTextEdit="1"/>
+            <a:spLocks noGrp="1"/>
           </p:cNvSpPr>
           <p:nvPr>
-            <p:extLst>
-              <p:ext uri="{386F3935-93C4-4BCD-93E2-E3B085C9AB24}">
-                <p16:designElem xmlns:p16="http://schemas.microsoft.com/office/powerpoint/2015/main" val="1"/>
-              </p:ext>
-            </p:extLst>
+            <p:ph type="title"/>
           </p:nvPr>
         </p:nvSpPr>
         <p:spPr>
           <a:xfrm>
-            <a:off x="0" y="0"/>
-            <a:ext cx="12188952" cy="6858000"/>
+            <a:off x="1600199" y="4571999"/>
+            <a:ext cx="7673801" cy="1087656"/>
           </a:xfrm>
-          <a:prstGeom prst="rect">
-            <a:avLst/>
-          </a:prstGeom>
-          <a:ln>
-            <a:noFill/>
-          </a:ln>
         </p:spPr>
-        <p:style>
-          <a:lnRef idx="2">
-            <a:schemeClr val="accent1">
-              <a:shade val="50000"/>
-            </a:schemeClr>
-          </a:lnRef>
-          <a:fillRef idx="1">
-            <a:schemeClr val="accent1"/>
-          </a:fillRef>
-          <a:effectRef idx="0">
-            <a:schemeClr val="accent1"/>
-          </a:effectRef>
-          <a:fontRef idx="minor">
-            <a:schemeClr val="lt1"/>
-          </a:fontRef>
-        </p:style>
         <p:txBody>
-          <a:bodyPr rtlCol="0" anchor="ctr"/>
+          <a:bodyPr vert="horz" lIns="91440" tIns="45720" rIns="91440" bIns="45720" rtlCol="0" anchor="b">
+            <a:normAutofit/>
+          </a:bodyPr>
           <a:lstStyle/>
           <a:p>
-            <a:pPr algn="ctr"/>
-            <a:endParaRPr lang="en-US" dirty="0"/>
+            <a:r>
+              <a:rPr lang="en-US" sz="4800"/>
+              <a:t>Detail Screen</a:t>
+            </a:r>
           </a:p>
         </p:txBody>
       </p:sp>
       <p:pic>
         <p:nvPicPr>
-          <p:cNvPr id="7" name="Content Placeholder 6" descr="A screenshot of a cell phone&#10;&#10;Description automatically generated">
+          <p:cNvPr id="4" name="Content Placeholder 6" descr="A screenshot of a cell phone&#10;&#10;Description automatically generated">
             <a:extLst>
               <a:ext uri="{FF2B5EF4-FFF2-40B4-BE49-F238E27FC236}">
-                <a16:creationId xmlns:a16="http://schemas.microsoft.com/office/drawing/2014/main" id="{030981E8-756D-4DB5-A1F5-CCA2A41CA335}"/>
+                <a16:creationId xmlns:a16="http://schemas.microsoft.com/office/drawing/2014/main" id="{F707DA69-DAAD-4E10-ADA8-561E5DDB6719}"/>
               </a:ext>
             </a:extLst>
           </p:cNvPr>
@@ -14870,7 +16515,7 @@
           </p:nvPr>
         </p:nvPicPr>
         <p:blipFill>
-          <a:blip r:embed="rId2">
+          <a:blip r:embed="rId3">
             <a:extLst>
               <a:ext uri="{28A0092B-C50C-407E-A947-70E740481C1C}">
                 <a14:useLocalDpi xmlns:a14="http://schemas.microsoft.com/office/drawing/2010/main" val="0"/>
@@ -14883,8 +16528,8 @@
         </p:blipFill>
         <p:spPr>
           <a:xfrm>
-            <a:off x="1077020" y="643466"/>
-            <a:ext cx="10037959" cy="5571067"/>
+            <a:off x="1600201" y="609600"/>
+            <a:ext cx="6562806" cy="3642357"/>
           </a:xfrm>
           <a:prstGeom prst="rect">
             <a:avLst/>
@@ -14894,7 +16539,7 @@
     </p:spTree>
     <p:extLst>
       <p:ext uri="{BB962C8B-B14F-4D97-AF65-F5344CB8AC3E}">
-        <p14:creationId xmlns:p14="http://schemas.microsoft.com/office/powerpoint/2010/main" val="3001176676"/>
+        <p14:creationId xmlns:p14="http://schemas.microsoft.com/office/powerpoint/2010/main" val="4179085336"/>
       </p:ext>
     </p:extLst>
   </p:cSld>
@@ -14904,7 +16549,7 @@
 </p:sld>
 </file>
 
-<file path=ppt/slides/slide8.xml><?xml version="1.0" encoding="utf-8"?>
+<file path=ppt/slides/slide9.xml><?xml version="1.0" encoding="utf-8"?>
 <p:sld xmlns:a="http://schemas.openxmlformats.org/drawingml/2006/main" xmlns:r="http://schemas.openxmlformats.org/officeDocument/2006/relationships" xmlns:p="http://schemas.openxmlformats.org/presentationml/2006/main">
   <p:cSld>
     <p:bg>
@@ -16475,818 +18120,6 @@
 </p:sld>
 </file>
 
-<file path=ppt/slides/slide9.xml><?xml version="1.0" encoding="utf-8"?>
-<p:sld xmlns:a="http://schemas.openxmlformats.org/drawingml/2006/main" xmlns:r="http://schemas.openxmlformats.org/officeDocument/2006/relationships" xmlns:p="http://schemas.openxmlformats.org/presentationml/2006/main">
-  <p:cSld>
-    <p:bg>
-      <p:bgPr>
-        <a:solidFill>
-          <a:schemeClr val="bg2"/>
-        </a:solidFill>
-        <a:effectLst/>
-      </p:bgPr>
-    </p:bg>
-    <p:spTree>
-      <p:nvGrpSpPr>
-        <p:cNvPr id="1" name=""/>
-        <p:cNvGrpSpPr/>
-        <p:nvPr/>
-      </p:nvGrpSpPr>
-      <p:grpSpPr>
-        <a:xfrm>
-          <a:off x="0" y="0"/>
-          <a:ext cx="0" cy="0"/>
-          <a:chOff x="0" y="0"/>
-          <a:chExt cx="0" cy="0"/>
-        </a:xfrm>
-      </p:grpSpPr>
-      <p:grpSp>
-        <p:nvGrpSpPr>
-          <p:cNvPr id="10" name="Group 9">
-            <a:extLst>
-              <a:ext uri="{FF2B5EF4-FFF2-40B4-BE49-F238E27FC236}">
-                <a16:creationId xmlns:a16="http://schemas.microsoft.com/office/drawing/2014/main" id="{E0BF35CA-8AA0-428F-ABED-5B77A6C39154}"/>
-              </a:ext>
-              <a:ext uri="{C183D7F6-B498-43B3-948B-1728B52AA6E4}">
-                <adec:decorative xmlns:adec="http://schemas.microsoft.com/office/drawing/2017/decorative" val="1"/>
-              </a:ext>
-            </a:extLst>
-          </p:cNvPr>
-          <p:cNvGrpSpPr>
-            <a:grpSpLocks noGrp="1" noUngrp="1" noRot="1" noChangeAspect="1" noMove="1" noResize="1"/>
-          </p:cNvGrpSpPr>
-          <p:nvPr>
-            <p:extLst>
-              <p:ext uri="{386F3935-93C4-4BCD-93E2-E3B085C9AB24}">
-                <p16:designElem xmlns:p16="http://schemas.microsoft.com/office/powerpoint/2015/main" val="1"/>
-              </p:ext>
-            </p:extLst>
-          </p:nvPr>
-        </p:nvGrpSpPr>
-        <p:grpSpPr>
-          <a:xfrm>
-            <a:off x="0" y="-8467"/>
-            <a:ext cx="12192000" cy="6866467"/>
-            <a:chOff x="0" y="-8467"/>
-            <a:chExt cx="12192000" cy="6866467"/>
-          </a:xfrm>
-        </p:grpSpPr>
-        <p:cxnSp>
-          <p:nvCxnSpPr>
-            <p:cNvPr id="11" name="Straight Connector 10">
-              <a:extLst>
-                <a:ext uri="{FF2B5EF4-FFF2-40B4-BE49-F238E27FC236}">
-                  <a16:creationId xmlns:a16="http://schemas.microsoft.com/office/drawing/2014/main" id="{FA4A156A-791B-4BD9-8452-A798A15D22C1}"/>
-                </a:ext>
-                <a:ext uri="{C183D7F6-B498-43B3-948B-1728B52AA6E4}">
-                  <adec:decorative xmlns:adec="http://schemas.microsoft.com/office/drawing/2017/decorative" val="1"/>
-                </a:ext>
-              </a:extLst>
-            </p:cNvPr>
-            <p:cNvCxnSpPr/>
-            <p:nvPr>
-              <p:extLst>
-                <p:ext uri="{386F3935-93C4-4BCD-93E2-E3B085C9AB24}">
-                  <p16:designElem xmlns:p16="http://schemas.microsoft.com/office/powerpoint/2015/main" val="1"/>
-                </p:ext>
-              </p:extLst>
-            </p:nvPr>
-          </p:nvCxnSpPr>
-          <p:spPr>
-            <a:xfrm>
-              <a:off x="9371012" y="0"/>
-              <a:ext cx="1219200" cy="6858000"/>
-            </a:xfrm>
-            <a:prstGeom prst="line">
-              <a:avLst/>
-            </a:prstGeom>
-            <a:ln w="9525">
-              <a:solidFill>
-                <a:schemeClr val="bg1">
-                  <a:lumMod val="85000"/>
-                  <a:lumOff val="15000"/>
-                </a:schemeClr>
-              </a:solidFill>
-            </a:ln>
-          </p:spPr>
-          <p:style>
-            <a:lnRef idx="2">
-              <a:schemeClr val="accent1"/>
-            </a:lnRef>
-            <a:fillRef idx="0">
-              <a:schemeClr val="accent1"/>
-            </a:fillRef>
-            <a:effectRef idx="1">
-              <a:schemeClr val="accent1"/>
-            </a:effectRef>
-            <a:fontRef idx="minor">
-              <a:schemeClr val="tx1"/>
-            </a:fontRef>
-          </p:style>
-        </p:cxnSp>
-        <p:cxnSp>
-          <p:nvCxnSpPr>
-            <p:cNvPr id="12" name="Straight Connector 11">
-              <a:extLst>
-                <a:ext uri="{FF2B5EF4-FFF2-40B4-BE49-F238E27FC236}">
-                  <a16:creationId xmlns:a16="http://schemas.microsoft.com/office/drawing/2014/main" id="{27652CB1-59D3-4DAB-AD45-8DFB738958E1}"/>
-                </a:ext>
-                <a:ext uri="{C183D7F6-B498-43B3-948B-1728B52AA6E4}">
-                  <adec:decorative xmlns:adec="http://schemas.microsoft.com/office/drawing/2017/decorative" val="1"/>
-                </a:ext>
-              </a:extLst>
-            </p:cNvPr>
-            <p:cNvCxnSpPr/>
-            <p:nvPr>
-              <p:extLst>
-                <p:ext uri="{386F3935-93C4-4BCD-93E2-E3B085C9AB24}">
-                  <p16:designElem xmlns:p16="http://schemas.microsoft.com/office/powerpoint/2015/main" val="1"/>
-                </p:ext>
-              </p:extLst>
-            </p:nvPr>
-          </p:nvCxnSpPr>
-          <p:spPr>
-            <a:xfrm flipH="1">
-              <a:off x="7425267" y="3681413"/>
-              <a:ext cx="4763558" cy="3176587"/>
-            </a:xfrm>
-            <a:prstGeom prst="line">
-              <a:avLst/>
-            </a:prstGeom>
-            <a:ln w="9525">
-              <a:solidFill>
-                <a:schemeClr val="bg1">
-                  <a:lumMod val="85000"/>
-                  <a:lumOff val="15000"/>
-                </a:schemeClr>
-              </a:solidFill>
-            </a:ln>
-          </p:spPr>
-          <p:style>
-            <a:lnRef idx="2">
-              <a:schemeClr val="accent1"/>
-            </a:lnRef>
-            <a:fillRef idx="0">
-              <a:schemeClr val="accent1"/>
-            </a:fillRef>
-            <a:effectRef idx="1">
-              <a:schemeClr val="accent1"/>
-            </a:effectRef>
-            <a:fontRef idx="minor">
-              <a:schemeClr val="tx1"/>
-            </a:fontRef>
-          </p:style>
-        </p:cxnSp>
-        <p:sp>
-          <p:nvSpPr>
-            <p:cNvPr id="13" name="Rectangle 23">
-              <a:extLst>
-                <a:ext uri="{FF2B5EF4-FFF2-40B4-BE49-F238E27FC236}">
-                  <a16:creationId xmlns:a16="http://schemas.microsoft.com/office/drawing/2014/main" id="{83539C1B-883E-4130-95FA-2A6FD3E49A6A}"/>
-                </a:ext>
-                <a:ext uri="{C183D7F6-B498-43B3-948B-1728B52AA6E4}">
-                  <adec:decorative xmlns:adec="http://schemas.microsoft.com/office/drawing/2017/decorative" val="1"/>
-                </a:ext>
-              </a:extLst>
-            </p:cNvPr>
-            <p:cNvSpPr/>
-            <p:nvPr>
-              <p:extLst>
-                <p:ext uri="{386F3935-93C4-4BCD-93E2-E3B085C9AB24}">
-                  <p16:designElem xmlns:p16="http://schemas.microsoft.com/office/powerpoint/2015/main" val="1"/>
-                </p:ext>
-              </p:extLst>
-            </p:nvPr>
-          </p:nvSpPr>
-          <p:spPr>
-            <a:xfrm>
-              <a:off x="9181476" y="-8467"/>
-              <a:ext cx="3007349" cy="6866467"/>
-            </a:xfrm>
-            <a:custGeom>
-              <a:avLst/>
-              <a:gdLst/>
-              <a:ahLst/>
-              <a:cxnLst/>
-              <a:rect l="l" t="t" r="r" b="b"/>
-              <a:pathLst>
-                <a:path w="3007349" h="6866467">
-                  <a:moveTo>
-                    <a:pt x="2045532" y="0"/>
-                  </a:moveTo>
-                  <a:lnTo>
-                    <a:pt x="3007349" y="0"/>
-                  </a:lnTo>
-                  <a:lnTo>
-                    <a:pt x="3007349" y="6866467"/>
-                  </a:lnTo>
-                  <a:lnTo>
-                    <a:pt x="0" y="6866467"/>
-                  </a:lnTo>
-                  <a:lnTo>
-                    <a:pt x="2045532" y="0"/>
-                  </a:lnTo>
-                  <a:close/>
-                </a:path>
-              </a:pathLst>
-            </a:custGeom>
-            <a:solidFill>
-              <a:schemeClr val="accent1">
-                <a:alpha val="30000"/>
-              </a:schemeClr>
-            </a:solidFill>
-            <a:ln>
-              <a:noFill/>
-            </a:ln>
-            <a:effectLst/>
-          </p:spPr>
-          <p:style>
-            <a:lnRef idx="1">
-              <a:schemeClr val="accent1"/>
-            </a:lnRef>
-            <a:fillRef idx="3">
-              <a:schemeClr val="accent1"/>
-            </a:fillRef>
-            <a:effectRef idx="2">
-              <a:schemeClr val="accent1"/>
-            </a:effectRef>
-            <a:fontRef idx="minor">
-              <a:schemeClr val="lt1"/>
-            </a:fontRef>
-          </p:style>
-        </p:sp>
-        <p:sp>
-          <p:nvSpPr>
-            <p:cNvPr id="14" name="Rectangle 25">
-              <a:extLst>
-                <a:ext uri="{FF2B5EF4-FFF2-40B4-BE49-F238E27FC236}">
-                  <a16:creationId xmlns:a16="http://schemas.microsoft.com/office/drawing/2014/main" id="{244CEE5F-144C-437F-9472-22EE3E3D1C9A}"/>
-                </a:ext>
-                <a:ext uri="{C183D7F6-B498-43B3-948B-1728B52AA6E4}">
-                  <adec:decorative xmlns:adec="http://schemas.microsoft.com/office/drawing/2017/decorative" val="1"/>
-                </a:ext>
-              </a:extLst>
-            </p:cNvPr>
-            <p:cNvSpPr/>
-            <p:nvPr>
-              <p:extLst>
-                <p:ext uri="{386F3935-93C4-4BCD-93E2-E3B085C9AB24}">
-                  <p16:designElem xmlns:p16="http://schemas.microsoft.com/office/powerpoint/2015/main" val="1"/>
-                </p:ext>
-              </p:extLst>
-            </p:nvPr>
-          </p:nvSpPr>
-          <p:spPr>
-            <a:xfrm>
-              <a:off x="9603442" y="-8467"/>
-              <a:ext cx="2588558" cy="6866467"/>
-            </a:xfrm>
-            <a:custGeom>
-              <a:avLst/>
-              <a:gdLst/>
-              <a:ahLst/>
-              <a:cxnLst/>
-              <a:rect l="l" t="t" r="r" b="b"/>
-              <a:pathLst>
-                <a:path w="2573311" h="6866467">
-                  <a:moveTo>
-                    <a:pt x="0" y="0"/>
-                  </a:moveTo>
-                  <a:lnTo>
-                    <a:pt x="2573311" y="0"/>
-                  </a:lnTo>
-                  <a:lnTo>
-                    <a:pt x="2573311" y="6866467"/>
-                  </a:lnTo>
-                  <a:lnTo>
-                    <a:pt x="1202336" y="6866467"/>
-                  </a:lnTo>
-                  <a:lnTo>
-                    <a:pt x="0" y="0"/>
-                  </a:lnTo>
-                  <a:close/>
-                </a:path>
-              </a:pathLst>
-            </a:custGeom>
-            <a:solidFill>
-              <a:schemeClr val="accent1">
-                <a:alpha val="20000"/>
-              </a:schemeClr>
-            </a:solidFill>
-            <a:ln>
-              <a:noFill/>
-            </a:ln>
-            <a:effectLst/>
-          </p:spPr>
-          <p:style>
-            <a:lnRef idx="1">
-              <a:schemeClr val="accent1"/>
-            </a:lnRef>
-            <a:fillRef idx="3">
-              <a:schemeClr val="accent1"/>
-            </a:fillRef>
-            <a:effectRef idx="2">
-              <a:schemeClr val="accent1"/>
-            </a:effectRef>
-            <a:fontRef idx="minor">
-              <a:schemeClr val="lt1"/>
-            </a:fontRef>
-          </p:style>
-        </p:sp>
-        <p:sp>
-          <p:nvSpPr>
-            <p:cNvPr id="15" name="Isosceles Triangle 14">
-              <a:extLst>
-                <a:ext uri="{FF2B5EF4-FFF2-40B4-BE49-F238E27FC236}">
-                  <a16:creationId xmlns:a16="http://schemas.microsoft.com/office/drawing/2014/main" id="{0621BB31-AA71-4E9B-8854-3C62F162FE19}"/>
-                </a:ext>
-                <a:ext uri="{C183D7F6-B498-43B3-948B-1728B52AA6E4}">
-                  <adec:decorative xmlns:adec="http://schemas.microsoft.com/office/drawing/2017/decorative" val="1"/>
-                </a:ext>
-              </a:extLst>
-            </p:cNvPr>
-            <p:cNvSpPr/>
-            <p:nvPr>
-              <p:extLst>
-                <p:ext uri="{386F3935-93C4-4BCD-93E2-E3B085C9AB24}">
-                  <p16:designElem xmlns:p16="http://schemas.microsoft.com/office/powerpoint/2015/main" val="1"/>
-                </p:ext>
-              </p:extLst>
-            </p:nvPr>
-          </p:nvSpPr>
-          <p:spPr>
-            <a:xfrm>
-              <a:off x="8932333" y="3048000"/>
-              <a:ext cx="3259667" cy="3810000"/>
-            </a:xfrm>
-            <a:prstGeom prst="triangle">
-              <a:avLst>
-                <a:gd name="adj" fmla="val 100000"/>
-              </a:avLst>
-            </a:prstGeom>
-            <a:solidFill>
-              <a:schemeClr val="accent2">
-                <a:alpha val="72000"/>
-              </a:schemeClr>
-            </a:solidFill>
-            <a:ln>
-              <a:noFill/>
-            </a:ln>
-            <a:effectLst/>
-          </p:spPr>
-          <p:style>
-            <a:lnRef idx="1">
-              <a:schemeClr val="accent1"/>
-            </a:lnRef>
-            <a:fillRef idx="3">
-              <a:schemeClr val="accent1"/>
-            </a:fillRef>
-            <a:effectRef idx="2">
-              <a:schemeClr val="accent1"/>
-            </a:effectRef>
-            <a:fontRef idx="minor">
-              <a:schemeClr val="lt1"/>
-            </a:fontRef>
-          </p:style>
-        </p:sp>
-        <p:sp>
-          <p:nvSpPr>
-            <p:cNvPr id="16" name="Rectangle 27">
-              <a:extLst>
-                <a:ext uri="{FF2B5EF4-FFF2-40B4-BE49-F238E27FC236}">
-                  <a16:creationId xmlns:a16="http://schemas.microsoft.com/office/drawing/2014/main" id="{5336141D-E3C6-4E7B-8923-B31C3E16F017}"/>
-                </a:ext>
-                <a:ext uri="{C183D7F6-B498-43B3-948B-1728B52AA6E4}">
-                  <adec:decorative xmlns:adec="http://schemas.microsoft.com/office/drawing/2017/decorative" val="1"/>
-                </a:ext>
-              </a:extLst>
-            </p:cNvPr>
-            <p:cNvSpPr/>
-            <p:nvPr>
-              <p:extLst>
-                <p:ext uri="{386F3935-93C4-4BCD-93E2-E3B085C9AB24}">
-                  <p16:designElem xmlns:p16="http://schemas.microsoft.com/office/powerpoint/2015/main" val="1"/>
-                </p:ext>
-              </p:extLst>
-            </p:nvPr>
-          </p:nvSpPr>
-          <p:spPr>
-            <a:xfrm>
-              <a:off x="9334500" y="-8467"/>
-              <a:ext cx="2854326" cy="6866467"/>
-            </a:xfrm>
-            <a:custGeom>
-              <a:avLst/>
-              <a:gdLst/>
-              <a:ahLst/>
-              <a:cxnLst/>
-              <a:rect l="l" t="t" r="r" b="b"/>
-              <a:pathLst>
-                <a:path w="2858013" h="6866467">
-                  <a:moveTo>
-                    <a:pt x="0" y="0"/>
-                  </a:moveTo>
-                  <a:lnTo>
-                    <a:pt x="2858013" y="0"/>
-                  </a:lnTo>
-                  <a:lnTo>
-                    <a:pt x="2858013" y="6866467"/>
-                  </a:lnTo>
-                  <a:lnTo>
-                    <a:pt x="2473942" y="6866467"/>
-                  </a:lnTo>
-                  <a:lnTo>
-                    <a:pt x="0" y="0"/>
-                  </a:lnTo>
-                  <a:close/>
-                </a:path>
-              </a:pathLst>
-            </a:custGeom>
-            <a:solidFill>
-              <a:schemeClr val="accent2">
-                <a:lumMod val="75000"/>
-                <a:alpha val="70000"/>
-              </a:schemeClr>
-            </a:solidFill>
-            <a:ln>
-              <a:noFill/>
-            </a:ln>
-            <a:effectLst/>
-          </p:spPr>
-          <p:style>
-            <a:lnRef idx="1">
-              <a:schemeClr val="accent1"/>
-            </a:lnRef>
-            <a:fillRef idx="3">
-              <a:schemeClr val="accent1"/>
-            </a:fillRef>
-            <a:effectRef idx="2">
-              <a:schemeClr val="accent1"/>
-            </a:effectRef>
-            <a:fontRef idx="minor">
-              <a:schemeClr val="lt1"/>
-            </a:fontRef>
-          </p:style>
-        </p:sp>
-        <p:sp>
-          <p:nvSpPr>
-            <p:cNvPr id="17" name="Rectangle 28">
-              <a:extLst>
-                <a:ext uri="{FF2B5EF4-FFF2-40B4-BE49-F238E27FC236}">
-                  <a16:creationId xmlns:a16="http://schemas.microsoft.com/office/drawing/2014/main" id="{F113BE6F-9D13-4E70-B7AB-C8CC2546ADB7}"/>
-                </a:ext>
-                <a:ext uri="{C183D7F6-B498-43B3-948B-1728B52AA6E4}">
-                  <adec:decorative xmlns:adec="http://schemas.microsoft.com/office/drawing/2017/decorative" val="1"/>
-                </a:ext>
-              </a:extLst>
-            </p:cNvPr>
-            <p:cNvSpPr/>
-            <p:nvPr>
-              <p:extLst>
-                <p:ext uri="{386F3935-93C4-4BCD-93E2-E3B085C9AB24}">
-                  <p16:designElem xmlns:p16="http://schemas.microsoft.com/office/powerpoint/2015/main" val="1"/>
-                </p:ext>
-              </p:extLst>
-            </p:nvPr>
-          </p:nvSpPr>
-          <p:spPr>
-            <a:xfrm>
-              <a:off x="10898730" y="-8467"/>
-              <a:ext cx="1290094" cy="6866467"/>
-            </a:xfrm>
-            <a:custGeom>
-              <a:avLst/>
-              <a:gdLst/>
-              <a:ahLst/>
-              <a:cxnLst/>
-              <a:rect l="l" t="t" r="r" b="b"/>
-              <a:pathLst>
-                <a:path w="1290094" h="6858000">
-                  <a:moveTo>
-                    <a:pt x="1019735" y="0"/>
-                  </a:moveTo>
-                  <a:lnTo>
-                    <a:pt x="1290094" y="0"/>
-                  </a:lnTo>
-                  <a:lnTo>
-                    <a:pt x="1290094" y="6858000"/>
-                  </a:lnTo>
-                  <a:lnTo>
-                    <a:pt x="0" y="6858000"/>
-                  </a:lnTo>
-                  <a:lnTo>
-                    <a:pt x="1019735" y="0"/>
-                  </a:lnTo>
-                  <a:close/>
-                </a:path>
-              </a:pathLst>
-            </a:custGeom>
-            <a:solidFill>
-              <a:schemeClr val="accent1">
-                <a:lumMod val="60000"/>
-                <a:lumOff val="40000"/>
-                <a:alpha val="70000"/>
-              </a:schemeClr>
-            </a:solidFill>
-            <a:ln>
-              <a:noFill/>
-            </a:ln>
-            <a:effectLst/>
-          </p:spPr>
-          <p:style>
-            <a:lnRef idx="1">
-              <a:schemeClr val="accent1"/>
-            </a:lnRef>
-            <a:fillRef idx="3">
-              <a:schemeClr val="accent1"/>
-            </a:fillRef>
-            <a:effectRef idx="2">
-              <a:schemeClr val="accent1"/>
-            </a:effectRef>
-            <a:fontRef idx="minor">
-              <a:schemeClr val="lt1"/>
-            </a:fontRef>
-          </p:style>
-        </p:sp>
-        <p:sp>
-          <p:nvSpPr>
-            <p:cNvPr id="18" name="Rectangle 29">
-              <a:extLst>
-                <a:ext uri="{FF2B5EF4-FFF2-40B4-BE49-F238E27FC236}">
-                  <a16:creationId xmlns:a16="http://schemas.microsoft.com/office/drawing/2014/main" id="{FBEB82C3-C636-4A90-B9A5-905EC38E01B3}"/>
-                </a:ext>
-                <a:ext uri="{C183D7F6-B498-43B3-948B-1728B52AA6E4}">
-                  <adec:decorative xmlns:adec="http://schemas.microsoft.com/office/drawing/2017/decorative" val="1"/>
-                </a:ext>
-              </a:extLst>
-            </p:cNvPr>
-            <p:cNvSpPr/>
-            <p:nvPr>
-              <p:extLst>
-                <p:ext uri="{386F3935-93C4-4BCD-93E2-E3B085C9AB24}">
-                  <p16:designElem xmlns:p16="http://schemas.microsoft.com/office/powerpoint/2015/main" val="1"/>
-                </p:ext>
-              </p:extLst>
-            </p:nvPr>
-          </p:nvSpPr>
-          <p:spPr>
-            <a:xfrm>
-              <a:off x="10938999" y="-8467"/>
-              <a:ext cx="1249825" cy="6866467"/>
-            </a:xfrm>
-            <a:custGeom>
-              <a:avLst/>
-              <a:gdLst/>
-              <a:ahLst/>
-              <a:cxnLst/>
-              <a:rect l="l" t="t" r="r" b="b"/>
-              <a:pathLst>
-                <a:path w="1249825" h="6858000">
-                  <a:moveTo>
-                    <a:pt x="0" y="0"/>
-                  </a:moveTo>
-                  <a:lnTo>
-                    <a:pt x="1249825" y="0"/>
-                  </a:lnTo>
-                  <a:lnTo>
-                    <a:pt x="1249825" y="6858000"/>
-                  </a:lnTo>
-                  <a:lnTo>
-                    <a:pt x="1109382" y="6858000"/>
-                  </a:lnTo>
-                  <a:lnTo>
-                    <a:pt x="0" y="0"/>
-                  </a:lnTo>
-                  <a:close/>
-                </a:path>
-              </a:pathLst>
-            </a:custGeom>
-            <a:solidFill>
-              <a:schemeClr val="accent1">
-                <a:alpha val="65000"/>
-              </a:schemeClr>
-            </a:solidFill>
-            <a:ln>
-              <a:noFill/>
-            </a:ln>
-            <a:effectLst/>
-          </p:spPr>
-          <p:style>
-            <a:lnRef idx="1">
-              <a:schemeClr val="accent1"/>
-            </a:lnRef>
-            <a:fillRef idx="3">
-              <a:schemeClr val="accent1"/>
-            </a:fillRef>
-            <a:effectRef idx="2">
-              <a:schemeClr val="accent1"/>
-            </a:effectRef>
-            <a:fontRef idx="minor">
-              <a:schemeClr val="lt1"/>
-            </a:fontRef>
-          </p:style>
-        </p:sp>
-        <p:sp>
-          <p:nvSpPr>
-            <p:cNvPr id="19" name="Isosceles Triangle 18">
-              <a:extLst>
-                <a:ext uri="{FF2B5EF4-FFF2-40B4-BE49-F238E27FC236}">
-                  <a16:creationId xmlns:a16="http://schemas.microsoft.com/office/drawing/2014/main" id="{646B4C4A-5A81-43CF-93ED-5FA59D5BE763}"/>
-                </a:ext>
-                <a:ext uri="{C183D7F6-B498-43B3-948B-1728B52AA6E4}">
-                  <adec:decorative xmlns:adec="http://schemas.microsoft.com/office/drawing/2017/decorative" val="1"/>
-                </a:ext>
-              </a:extLst>
-            </p:cNvPr>
-            <p:cNvSpPr/>
-            <p:nvPr>
-              <p:extLst>
-                <p:ext uri="{386F3935-93C4-4BCD-93E2-E3B085C9AB24}">
-                  <p16:designElem xmlns:p16="http://schemas.microsoft.com/office/powerpoint/2015/main" val="1"/>
-                </p:ext>
-              </p:extLst>
-            </p:nvPr>
-          </p:nvSpPr>
-          <p:spPr>
-            <a:xfrm>
-              <a:off x="10371666" y="3589867"/>
-              <a:ext cx="1817159" cy="3268133"/>
-            </a:xfrm>
-            <a:prstGeom prst="triangle">
-              <a:avLst>
-                <a:gd name="adj" fmla="val 100000"/>
-              </a:avLst>
-            </a:prstGeom>
-            <a:solidFill>
-              <a:schemeClr val="accent1">
-                <a:alpha val="80000"/>
-              </a:schemeClr>
-            </a:solidFill>
-            <a:ln>
-              <a:noFill/>
-            </a:ln>
-            <a:effectLst/>
-          </p:spPr>
-          <p:style>
-            <a:lnRef idx="1">
-              <a:schemeClr val="accent1"/>
-            </a:lnRef>
-            <a:fillRef idx="3">
-              <a:schemeClr val="accent1"/>
-            </a:fillRef>
-            <a:effectRef idx="2">
-              <a:schemeClr val="accent1"/>
-            </a:effectRef>
-            <a:fontRef idx="minor">
-              <a:schemeClr val="lt1"/>
-            </a:fontRef>
-          </p:style>
-        </p:sp>
-        <p:sp>
-          <p:nvSpPr>
-            <p:cNvPr id="20" name="Isosceles Triangle 19">
-              <a:extLst>
-                <a:ext uri="{FF2B5EF4-FFF2-40B4-BE49-F238E27FC236}">
-                  <a16:creationId xmlns:a16="http://schemas.microsoft.com/office/drawing/2014/main" id="{C3715C1A-EBA1-41A6-AC20-D6A7C48717B4}"/>
-                </a:ext>
-                <a:ext uri="{C183D7F6-B498-43B3-948B-1728B52AA6E4}">
-                  <adec:decorative xmlns:adec="http://schemas.microsoft.com/office/drawing/2017/decorative" val="1"/>
-                </a:ext>
-              </a:extLst>
-            </p:cNvPr>
-            <p:cNvSpPr/>
-            <p:nvPr>
-              <p:extLst>
-                <p:ext uri="{386F3935-93C4-4BCD-93E2-E3B085C9AB24}">
-                  <p16:designElem xmlns:p16="http://schemas.microsoft.com/office/powerpoint/2015/main" val="1"/>
-                </p:ext>
-              </p:extLst>
-            </p:nvPr>
-          </p:nvSpPr>
-          <p:spPr>
-            <a:xfrm rot="10800000">
-              <a:off x="0" y="0"/>
-              <a:ext cx="842596" cy="5666154"/>
-            </a:xfrm>
-            <a:prstGeom prst="triangle">
-              <a:avLst>
-                <a:gd name="adj" fmla="val 100000"/>
-              </a:avLst>
-            </a:prstGeom>
-            <a:solidFill>
-              <a:schemeClr val="accent1">
-                <a:alpha val="85000"/>
-              </a:schemeClr>
-            </a:solidFill>
-            <a:ln>
-              <a:noFill/>
-            </a:ln>
-            <a:effectLst/>
-          </p:spPr>
-          <p:style>
-            <a:lnRef idx="1">
-              <a:schemeClr val="accent1"/>
-            </a:lnRef>
-            <a:fillRef idx="3">
-              <a:schemeClr val="accent1"/>
-            </a:fillRef>
-            <a:effectRef idx="2">
-              <a:schemeClr val="accent1"/>
-            </a:effectRef>
-            <a:fontRef idx="minor">
-              <a:schemeClr val="lt1"/>
-            </a:fontRef>
-          </p:style>
-        </p:sp>
-      </p:grpSp>
-      <p:sp>
-        <p:nvSpPr>
-          <p:cNvPr id="2" name="Title 1">
-            <a:extLst>
-              <a:ext uri="{FF2B5EF4-FFF2-40B4-BE49-F238E27FC236}">
-                <a16:creationId xmlns:a16="http://schemas.microsoft.com/office/drawing/2014/main" id="{F53ED65C-8BEF-4EDF-B3AE-BC7BEBE5B48D}"/>
-              </a:ext>
-            </a:extLst>
-          </p:cNvPr>
-          <p:cNvSpPr>
-            <a:spLocks noGrp="1"/>
-          </p:cNvSpPr>
-          <p:nvPr>
-            <p:ph type="title"/>
-          </p:nvPr>
-        </p:nvSpPr>
-        <p:spPr>
-          <a:xfrm>
-            <a:off x="1507067" y="1578133"/>
-            <a:ext cx="4335468" cy="2875534"/>
-          </a:xfrm>
-        </p:spPr>
-        <p:txBody>
-          <a:bodyPr vert="horz" lIns="91440" tIns="45720" rIns="91440" bIns="45720" rtlCol="0" anchor="b">
-            <a:normAutofit/>
-          </a:bodyPr>
-          <a:lstStyle/>
-          <a:p>
-            <a:pPr algn="r"/>
-            <a:r>
-              <a:rPr lang="en-US" sz="5400"/>
-              <a:t>Project Architecture</a:t>
-            </a:r>
-          </a:p>
-        </p:txBody>
-      </p:sp>
-      <p:pic>
-        <p:nvPicPr>
-          <p:cNvPr id="7" name="Graphic 6" descr="Hierarchy">
-            <a:extLst>
-              <a:ext uri="{FF2B5EF4-FFF2-40B4-BE49-F238E27FC236}">
-                <a16:creationId xmlns:a16="http://schemas.microsoft.com/office/drawing/2014/main" id="{D1345866-76AE-49B9-841F-7F00A11E787A}"/>
-              </a:ext>
-            </a:extLst>
-          </p:cNvPr>
-          <p:cNvPicPr>
-            <a:picLocks noChangeAspect="1"/>
-          </p:cNvPicPr>
-          <p:nvPr/>
-        </p:nvPicPr>
-        <p:blipFill>
-          <a:blip r:embed="rId2">
-            <a:extLst>
-              <a:ext uri="{28A0092B-C50C-407E-A947-70E740481C1C}">
-                <a14:useLocalDpi xmlns:a14="http://schemas.microsoft.com/office/drawing/2010/main" val="0"/>
-              </a:ext>
-              <a:ext uri="{96DAC541-7B7A-43D3-8B79-37D633B846F1}">
-                <asvg:svgBlip xmlns:asvg="http://schemas.microsoft.com/office/drawing/2016/SVG/main" r:embed="rId3"/>
-              </a:ext>
-            </a:extLst>
-          </a:blip>
-          <a:stretch>
-            <a:fillRect/>
-          </a:stretch>
-        </p:blipFill>
-        <p:spPr>
-          <a:xfrm>
-            <a:off x="6095998" y="1924043"/>
-            <a:ext cx="3280613" cy="3280613"/>
-          </a:xfrm>
-          <a:prstGeom prst="rect">
-            <a:avLst/>
-          </a:prstGeom>
-        </p:spPr>
-      </p:pic>
-    </p:spTree>
-    <p:extLst>
-      <p:ext uri="{BB962C8B-B14F-4D97-AF65-F5344CB8AC3E}">
-        <p14:creationId xmlns:p14="http://schemas.microsoft.com/office/powerpoint/2010/main" val="2178492331"/>
-      </p:ext>
-    </p:extLst>
-  </p:cSld>
-  <p:clrMapOvr>
-    <a:masterClrMapping/>
-  </p:clrMapOvr>
-</p:sld>
-</file>
-
 <file path=ppt/theme/theme1.xml><?xml version="1.0" encoding="utf-8"?>
 <a:theme xmlns:a="http://schemas.openxmlformats.org/drawingml/2006/main" name="Facet">
   <a:themeElements>
